--- a/проект.pptx
+++ b/проект.pptx
@@ -8,14 +8,21 @@
     <p:sldId id="256" r:id="rId2"/>
     <p:sldId id="257" r:id="rId3"/>
     <p:sldId id="258" r:id="rId4"/>
-    <p:sldId id="259" r:id="rId5"/>
-    <p:sldId id="260" r:id="rId6"/>
-    <p:sldId id="261" r:id="rId7"/>
-    <p:sldId id="262" r:id="rId8"/>
-    <p:sldId id="264" r:id="rId9"/>
-    <p:sldId id="265" r:id="rId10"/>
-    <p:sldId id="266" r:id="rId11"/>
-    <p:sldId id="267" r:id="rId12"/>
+    <p:sldId id="261" r:id="rId5"/>
+    <p:sldId id="271" r:id="rId6"/>
+    <p:sldId id="262" r:id="rId7"/>
+    <p:sldId id="268" r:id="rId8"/>
+    <p:sldId id="269" r:id="rId9"/>
+    <p:sldId id="264" r:id="rId10"/>
+    <p:sldId id="265" r:id="rId11"/>
+    <p:sldId id="270" r:id="rId12"/>
+    <p:sldId id="272" r:id="rId13"/>
+    <p:sldId id="266" r:id="rId14"/>
+    <p:sldId id="267" r:id="rId15"/>
+    <p:sldId id="273" r:id="rId16"/>
+    <p:sldId id="260" r:id="rId17"/>
+    <p:sldId id="259" r:id="rId18"/>
+    <p:sldId id="274" r:id="rId19"/>
   </p:sldIdLst>
   <p:sldSz cx="12192000" cy="6858000"/>
   <p:notesSz cx="6858000" cy="9144000"/>
@@ -269,7 +276,7 @@
           <a:p>
             <a:fld id="{FB198DFB-172F-4172-80D9-61BA62CE5DAF}" type="datetimeFigureOut">
               <a:rPr lang="ru-RU" smtClean="0"/>
-              <a:t>23.04.2022</a:t>
+              <a:t>24.04.2022</a:t>
             </a:fld>
             <a:endParaRPr lang="ru-RU"/>
           </a:p>
@@ -467,7 +474,7 @@
           <a:p>
             <a:fld id="{FB198DFB-172F-4172-80D9-61BA62CE5DAF}" type="datetimeFigureOut">
               <a:rPr lang="ru-RU" smtClean="0"/>
-              <a:t>23.04.2022</a:t>
+              <a:t>24.04.2022</a:t>
             </a:fld>
             <a:endParaRPr lang="ru-RU"/>
           </a:p>
@@ -675,7 +682,7 @@
           <a:p>
             <a:fld id="{FB198DFB-172F-4172-80D9-61BA62CE5DAF}" type="datetimeFigureOut">
               <a:rPr lang="ru-RU" smtClean="0"/>
-              <a:t>23.04.2022</a:t>
+              <a:t>24.04.2022</a:t>
             </a:fld>
             <a:endParaRPr lang="ru-RU"/>
           </a:p>
@@ -873,7 +880,7 @@
           <a:p>
             <a:fld id="{FB198DFB-172F-4172-80D9-61BA62CE5DAF}" type="datetimeFigureOut">
               <a:rPr lang="ru-RU" smtClean="0"/>
-              <a:t>23.04.2022</a:t>
+              <a:t>24.04.2022</a:t>
             </a:fld>
             <a:endParaRPr lang="ru-RU"/>
           </a:p>
@@ -1148,7 +1155,7 @@
           <a:p>
             <a:fld id="{FB198DFB-172F-4172-80D9-61BA62CE5DAF}" type="datetimeFigureOut">
               <a:rPr lang="ru-RU" smtClean="0"/>
-              <a:t>23.04.2022</a:t>
+              <a:t>24.04.2022</a:t>
             </a:fld>
             <a:endParaRPr lang="ru-RU"/>
           </a:p>
@@ -1413,7 +1420,7 @@
           <a:p>
             <a:fld id="{FB198DFB-172F-4172-80D9-61BA62CE5DAF}" type="datetimeFigureOut">
               <a:rPr lang="ru-RU" smtClean="0"/>
-              <a:t>23.04.2022</a:t>
+              <a:t>24.04.2022</a:t>
             </a:fld>
             <a:endParaRPr lang="ru-RU"/>
           </a:p>
@@ -1825,7 +1832,7 @@
           <a:p>
             <a:fld id="{FB198DFB-172F-4172-80D9-61BA62CE5DAF}" type="datetimeFigureOut">
               <a:rPr lang="ru-RU" smtClean="0"/>
-              <a:t>23.04.2022</a:t>
+              <a:t>24.04.2022</a:t>
             </a:fld>
             <a:endParaRPr lang="ru-RU"/>
           </a:p>
@@ -1966,7 +1973,7 @@
           <a:p>
             <a:fld id="{FB198DFB-172F-4172-80D9-61BA62CE5DAF}" type="datetimeFigureOut">
               <a:rPr lang="ru-RU" smtClean="0"/>
-              <a:t>23.04.2022</a:t>
+              <a:t>24.04.2022</a:t>
             </a:fld>
             <a:endParaRPr lang="ru-RU"/>
           </a:p>
@@ -2079,7 +2086,7 @@
           <a:p>
             <a:fld id="{FB198DFB-172F-4172-80D9-61BA62CE5DAF}" type="datetimeFigureOut">
               <a:rPr lang="ru-RU" smtClean="0"/>
-              <a:t>23.04.2022</a:t>
+              <a:t>24.04.2022</a:t>
             </a:fld>
             <a:endParaRPr lang="ru-RU"/>
           </a:p>
@@ -2390,7 +2397,7 @@
           <a:p>
             <a:fld id="{FB198DFB-172F-4172-80D9-61BA62CE5DAF}" type="datetimeFigureOut">
               <a:rPr lang="ru-RU" smtClean="0"/>
-              <a:t>23.04.2022</a:t>
+              <a:t>24.04.2022</a:t>
             </a:fld>
             <a:endParaRPr lang="ru-RU"/>
           </a:p>
@@ -2678,7 +2685,7 @@
           <a:p>
             <a:fld id="{FB198DFB-172F-4172-80D9-61BA62CE5DAF}" type="datetimeFigureOut">
               <a:rPr lang="ru-RU" smtClean="0"/>
-              <a:t>23.04.2022</a:t>
+              <a:t>24.04.2022</a:t>
             </a:fld>
             <a:endParaRPr lang="ru-RU"/>
           </a:p>
@@ -2919,7 +2926,7 @@
           <a:p>
             <a:fld id="{FB198DFB-172F-4172-80D9-61BA62CE5DAF}" type="datetimeFigureOut">
               <a:rPr lang="ru-RU" smtClean="0"/>
-              <a:t>23.04.2022</a:t>
+              <a:t>24.04.2022</a:t>
             </a:fld>
             <a:endParaRPr lang="ru-RU"/>
           </a:p>
@@ -3322,6 +3329,14 @@
 <file path=ppt/slides/slide1.xml><?xml version="1.0" encoding="utf-8"?>
 <p:sld xmlns:a="http://schemas.openxmlformats.org/drawingml/2006/main" xmlns:r="http://schemas.openxmlformats.org/officeDocument/2006/relationships" xmlns:p="http://schemas.openxmlformats.org/presentationml/2006/main">
   <p:cSld>
+    <p:bg>
+      <p:bgPr>
+        <a:solidFill>
+          <a:schemeClr val="tx1"/>
+        </a:solidFill>
+        <a:effectLst/>
+      </p:bgPr>
+    </p:bg>
     <p:spTree>
       <p:nvGrpSpPr>
         <p:cNvPr id="1" name=""/>
@@ -3365,22 +3380,42 @@
           <a:lstStyle/>
           <a:p>
             <a:r>
-              <a:rPr lang="ru-RU" dirty="0"/>
+              <a:rPr lang="ru-RU" dirty="0">
+                <a:solidFill>
+                  <a:schemeClr val="bg1"/>
+                </a:solidFill>
+              </a:rPr>
               <a:t>Веб-магазин приложений</a:t>
             </a:r>
             <a:br>
-              <a:rPr lang="ru-RU" dirty="0"/>
+              <a:rPr lang="ru-RU" dirty="0">
+                <a:solidFill>
+                  <a:schemeClr val="bg1"/>
+                </a:solidFill>
+              </a:rPr>
             </a:br>
             <a:r>
-              <a:rPr lang="ru-RU" dirty="0"/>
+              <a:rPr lang="ru-RU" dirty="0">
+                <a:solidFill>
+                  <a:schemeClr val="bg1"/>
+                </a:solidFill>
+              </a:rPr>
               <a:t>«</a:t>
             </a:r>
             <a:r>
-              <a:rPr lang="en-US" dirty="0" err="1"/>
+              <a:rPr lang="en-US" dirty="0" err="1">
+                <a:solidFill>
+                  <a:schemeClr val="bg1"/>
+                </a:solidFill>
+              </a:rPr>
               <a:t>bShop</a:t>
             </a:r>
             <a:r>
-              <a:rPr lang="ru-RU" dirty="0"/>
+              <a:rPr lang="ru-RU" dirty="0">
+                <a:solidFill>
+                  <a:schemeClr val="bg1"/>
+                </a:solidFill>
+              </a:rPr>
               <a:t>»</a:t>
             </a:r>
           </a:p>
@@ -3416,25 +3451,41 @@
           <a:p>
             <a:pPr algn="l"/>
             <a:r>
-              <a:rPr lang="ru-RU" sz="2600" dirty="0"/>
+              <a:rPr lang="ru-RU" sz="2600" dirty="0">
+                <a:solidFill>
+                  <a:schemeClr val="bg1"/>
+                </a:solidFill>
+              </a:rPr>
               <a:t>Выполнили</a:t>
             </a:r>
             <a:r>
-              <a:rPr lang="ru-RU" dirty="0"/>
+              <a:rPr lang="ru-RU" dirty="0">
+                <a:solidFill>
+                  <a:schemeClr val="bg1"/>
+                </a:solidFill>
+              </a:rPr>
               <a:t>:</a:t>
             </a:r>
           </a:p>
           <a:p>
             <a:pPr algn="l"/>
             <a:r>
-              <a:rPr lang="ru-RU" dirty="0"/>
+              <a:rPr lang="ru-RU" dirty="0">
+                <a:solidFill>
+                  <a:schemeClr val="bg1"/>
+                </a:solidFill>
+              </a:rPr>
               <a:t>Тараканов Максим</a:t>
             </a:r>
           </a:p>
           <a:p>
             <a:pPr algn="l"/>
             <a:r>
-              <a:rPr lang="ru-RU" dirty="0"/>
+              <a:rPr lang="ru-RU" dirty="0">
+                <a:solidFill>
+                  <a:schemeClr val="bg1"/>
+                </a:solidFill>
+              </a:rPr>
               <a:t>Виктор Антонников </a:t>
             </a:r>
           </a:p>
@@ -4025,22 +4076,42 @@
           </a:lstStyle>
           <a:p>
             <a:r>
-              <a:rPr lang="ru-RU" dirty="0"/>
+              <a:rPr lang="ru-RU" dirty="0">
+                <a:solidFill>
+                  <a:schemeClr val="bg1"/>
+                </a:solidFill>
+              </a:rPr>
               <a:t>Проект</a:t>
             </a:r>
             <a:r>
-              <a:rPr lang="en-US" dirty="0"/>
+              <a:rPr lang="en-US" dirty="0">
+                <a:solidFill>
+                  <a:schemeClr val="bg1"/>
+                </a:solidFill>
+              </a:rPr>
               <a:t> </a:t>
             </a:r>
             <a:r>
-              <a:rPr lang="ru-RU" dirty="0"/>
+              <a:rPr lang="ru-RU" dirty="0">
+                <a:solidFill>
+                  <a:schemeClr val="bg1"/>
+                </a:solidFill>
+              </a:rPr>
               <a:t>по теме</a:t>
             </a:r>
             <a:r>
-              <a:rPr lang="en-US" dirty="0"/>
+              <a:rPr lang="en-US" dirty="0">
+                <a:solidFill>
+                  <a:schemeClr val="bg1"/>
+                </a:solidFill>
+              </a:rPr>
               <a:t> “Flask”</a:t>
             </a:r>
-            <a:endParaRPr lang="ru-RU" dirty="0"/>
+            <a:endParaRPr lang="ru-RU" dirty="0">
+              <a:solidFill>
+                <a:schemeClr val="bg1"/>
+              </a:solidFill>
+            </a:endParaRPr>
           </a:p>
         </p:txBody>
       </p:sp>
@@ -4238,30 +4309,54 @@
           <a:p>
             <a:pPr algn="l"/>
             <a:r>
-              <a:rPr lang="ru-RU" sz="2600" dirty="0"/>
+              <a:rPr lang="ru-RU" sz="2600" dirty="0">
+                <a:solidFill>
+                  <a:schemeClr val="bg1"/>
+                </a:solidFill>
+              </a:rPr>
               <a:t>Руководитель</a:t>
             </a:r>
             <a:r>
-              <a:rPr lang="ru-RU" dirty="0"/>
+              <a:rPr lang="ru-RU" dirty="0">
+                <a:solidFill>
+                  <a:schemeClr val="bg1"/>
+                </a:solidFill>
+              </a:rPr>
               <a:t>:</a:t>
             </a:r>
           </a:p>
           <a:p>
             <a:pPr algn="l"/>
             <a:r>
-              <a:rPr lang="ru-RU" dirty="0" err="1"/>
+              <a:rPr lang="ru-RU" dirty="0" err="1">
+                <a:solidFill>
+                  <a:schemeClr val="bg1"/>
+                </a:solidFill>
+              </a:rPr>
               <a:t>Зубач</a:t>
             </a:r>
             <a:r>
-              <a:rPr lang="ru-RU" dirty="0"/>
+              <a:rPr lang="ru-RU" dirty="0">
+                <a:solidFill>
+                  <a:schemeClr val="bg1"/>
+                </a:solidFill>
+              </a:rPr>
               <a:t> Никита</a:t>
             </a:r>
             <a:r>
-              <a:rPr lang="en-US" dirty="0"/>
+              <a:rPr lang="en-US" dirty="0">
+                <a:solidFill>
+                  <a:schemeClr val="bg1"/>
+                </a:solidFill>
+              </a:rPr>
               <a:t> </a:t>
             </a:r>
             <a:r>
-              <a:rPr lang="ru-RU" dirty="0"/>
+              <a:rPr lang="ru-RU" dirty="0">
+                <a:solidFill>
+                  <a:schemeClr val="bg1"/>
+                </a:solidFill>
+              </a:rPr>
               <a:t>Анатольевич</a:t>
             </a:r>
           </a:p>
@@ -4460,7 +4555,11 @@
           </a:lstStyle>
           <a:p>
             <a:r>
-              <a:rPr lang="ru-RU" sz="2000" dirty="0"/>
+              <a:rPr lang="ru-RU" sz="2000" dirty="0">
+                <a:solidFill>
+                  <a:schemeClr val="bg1"/>
+                </a:solidFill>
+              </a:rPr>
               <a:t>Калининград, 2021</a:t>
             </a:r>
           </a:p>
@@ -4531,17 +4630,17 @@
                   <a:schemeClr val="bg1"/>
                 </a:solidFill>
               </a:rPr>
-              <a:t>Приложение</a:t>
+              <a:t>Библиотека</a:t>
             </a:r>
           </a:p>
         </p:txBody>
       </p:sp>
       <p:pic>
         <p:nvPicPr>
-          <p:cNvPr id="10" name="Объект 9">
-            <a:extLst>
-              <a:ext uri="{FF2B5EF4-FFF2-40B4-BE49-F238E27FC236}">
-                <a16:creationId xmlns:a16="http://schemas.microsoft.com/office/drawing/2014/main" id="{7C5744CA-5EA9-45C1-8950-89E60D09C7B5}"/>
+          <p:cNvPr id="7" name="Объект 6">
+            <a:extLst>
+              <a:ext uri="{FF2B5EF4-FFF2-40B4-BE49-F238E27FC236}">
+                <a16:creationId xmlns:a16="http://schemas.microsoft.com/office/drawing/2014/main" id="{6B108D45-2EA8-4C7C-A058-9B153AF8255C}"/>
               </a:ext>
             </a:extLst>
           </p:cNvPr>
@@ -4561,44 +4660,53 @@
         <p:spPr>
           <a:xfrm>
             <a:off x="838200" y="1690688"/>
-            <a:ext cx="6107989" cy="4351338"/>
+            <a:ext cx="6059641" cy="4351338"/>
           </a:xfrm>
         </p:spPr>
       </p:pic>
-      <p:pic>
-        <p:nvPicPr>
-          <p:cNvPr id="15" name="Рисунок 14">
-            <a:extLst>
-              <a:ext uri="{FF2B5EF4-FFF2-40B4-BE49-F238E27FC236}">
-                <a16:creationId xmlns:a16="http://schemas.microsoft.com/office/drawing/2014/main" id="{FC73F74E-2AB9-4302-8A53-9EE630271C74}"/>
-              </a:ext>
-            </a:extLst>
-          </p:cNvPr>
-          <p:cNvPicPr>
-            <a:picLocks noChangeAspect="1"/>
-          </p:cNvPicPr>
+      <p:sp>
+        <p:nvSpPr>
+          <p:cNvPr id="8" name="TextBox 7">
+            <a:extLst>
+              <a:ext uri="{FF2B5EF4-FFF2-40B4-BE49-F238E27FC236}">
+                <a16:creationId xmlns:a16="http://schemas.microsoft.com/office/drawing/2014/main" id="{F6BB5E9D-262D-4D1A-B9A6-CF95E0C9462F}"/>
+              </a:ext>
+            </a:extLst>
+          </p:cNvPr>
+          <p:cNvSpPr txBox="1"/>
           <p:nvPr/>
-        </p:nvPicPr>
-        <p:blipFill>
-          <a:blip r:embed="rId3"/>
-          <a:stretch>
-            <a:fillRect/>
-          </a:stretch>
-        </p:blipFill>
+        </p:nvSpPr>
         <p:spPr>
           <a:xfrm>
-            <a:off x="8005742" y="1690688"/>
-            <a:ext cx="3084948" cy="4351338"/>
+            <a:off x="7111378" y="1687658"/>
+            <a:ext cx="4474486" cy="1785104"/>
           </a:xfrm>
           <a:prstGeom prst="rect">
             <a:avLst/>
           </a:prstGeom>
+          <a:noFill/>
         </p:spPr>
-      </p:pic>
+        <p:txBody>
+          <a:bodyPr wrap="square">
+            <a:spAutoFit/>
+          </a:bodyPr>
+          <a:lstStyle/>
+          <a:p>
+            <a:r>
+              <a:rPr lang="ru-RU" sz="2200" dirty="0">
+                <a:solidFill>
+                  <a:schemeClr val="bg1"/>
+                </a:solidFill>
+              </a:rPr>
+              <a:t>Чтобы скачать понравившееся приложение сначала надо добавить его к себе в библиотеку. Добавленные приложения можно найти здесь.</a:t>
+            </a:r>
+          </a:p>
+        </p:txBody>
+      </p:sp>
     </p:spTree>
     <p:extLst>
       <p:ext uri="{BB962C8B-B14F-4D97-AF65-F5344CB8AC3E}">
-        <p14:creationId xmlns:p14="http://schemas.microsoft.com/office/powerpoint/2010/main" val="3968185437"/>
+        <p14:creationId xmlns:p14="http://schemas.microsoft.com/office/powerpoint/2010/main" val="3551935121"/>
       </p:ext>
     </p:extLst>
   </p:cSld>
@@ -4660,17 +4768,17 @@
                   <a:schemeClr val="bg1"/>
                 </a:solidFill>
               </a:rPr>
-              <a:t>Админ панель</a:t>
+              <a:t>Мои приложения</a:t>
             </a:r>
           </a:p>
         </p:txBody>
       </p:sp>
       <p:pic>
         <p:nvPicPr>
-          <p:cNvPr id="6" name="Объект 5">
-            <a:extLst>
-              <a:ext uri="{FF2B5EF4-FFF2-40B4-BE49-F238E27FC236}">
-                <a16:creationId xmlns:a16="http://schemas.microsoft.com/office/drawing/2014/main" id="{E29F0C3B-F61C-4C9F-A904-046D7349F543}"/>
+          <p:cNvPr id="11" name="Объект 10">
+            <a:extLst>
+              <a:ext uri="{FF2B5EF4-FFF2-40B4-BE49-F238E27FC236}">
+                <a16:creationId xmlns:a16="http://schemas.microsoft.com/office/drawing/2014/main" id="{615C428E-5D00-46EF-89B8-143C1F2C2CD6}"/>
               </a:ext>
             </a:extLst>
           </p:cNvPr>
@@ -4689,15 +4797,54 @@
         </p:blipFill>
         <p:spPr>
           <a:xfrm>
-            <a:off x="838200" y="1690688"/>
-            <a:ext cx="7735712" cy="4351338"/>
+            <a:off x="5552016" y="1690688"/>
+            <a:ext cx="5801784" cy="4351338"/>
           </a:xfrm>
         </p:spPr>
       </p:pic>
+      <p:sp>
+        <p:nvSpPr>
+          <p:cNvPr id="12" name="TextBox 11">
+            <a:extLst>
+              <a:ext uri="{FF2B5EF4-FFF2-40B4-BE49-F238E27FC236}">
+                <a16:creationId xmlns:a16="http://schemas.microsoft.com/office/drawing/2014/main" id="{66DA16A5-E3D8-4D39-9C0A-B65809321D2D}"/>
+              </a:ext>
+            </a:extLst>
+          </p:cNvPr>
+          <p:cNvSpPr txBox="1"/>
+          <p:nvPr/>
+        </p:nvSpPr>
+        <p:spPr>
+          <a:xfrm>
+            <a:off x="838200" y="1687658"/>
+            <a:ext cx="4713816" cy="1107996"/>
+          </a:xfrm>
+          <a:prstGeom prst="rect">
+            <a:avLst/>
+          </a:prstGeom>
+          <a:noFill/>
+        </p:spPr>
+        <p:txBody>
+          <a:bodyPr wrap="square">
+            <a:spAutoFit/>
+          </a:bodyPr>
+          <a:lstStyle/>
+          <a:p>
+            <a:r>
+              <a:rPr lang="ru-RU" sz="2200" dirty="0">
+                <a:solidFill>
+                  <a:schemeClr val="bg1"/>
+                </a:solidFill>
+              </a:rPr>
+              <a:t>Тут можно как добавить приложение, так и посмотреть опубликованные, а также проверить их статус.</a:t>
+            </a:r>
+          </a:p>
+        </p:txBody>
+      </p:sp>
     </p:spTree>
     <p:extLst>
       <p:ext uri="{BB962C8B-B14F-4D97-AF65-F5344CB8AC3E}">
-        <p14:creationId xmlns:p14="http://schemas.microsoft.com/office/powerpoint/2010/main" val="3541306539"/>
+        <p14:creationId xmlns:p14="http://schemas.microsoft.com/office/powerpoint/2010/main" val="3069773185"/>
       </p:ext>
     </p:extLst>
   </p:cSld>
@@ -4707,9 +4854,17 @@
 </p:sld>
 </file>
 
-<file path=ppt/slides/slide2.xml><?xml version="1.0" encoding="utf-8"?>
+<file path=ppt/slides/slide12.xml><?xml version="1.0" encoding="utf-8"?>
 <p:sld xmlns:a="http://schemas.openxmlformats.org/drawingml/2006/main" xmlns:r="http://schemas.openxmlformats.org/officeDocument/2006/relationships" xmlns:p="http://schemas.openxmlformats.org/presentationml/2006/main">
   <p:cSld>
+    <p:bg>
+      <p:bgPr>
+        <a:solidFill>
+          <a:schemeClr val="tx1"/>
+        </a:solidFill>
+        <a:effectLst/>
+      </p:bgPr>
+    </p:bg>
     <p:spTree>
       <p:nvGrpSpPr>
         <p:cNvPr id="1" name=""/>
@@ -4726,6 +4881,1042 @@
       </p:grpSpPr>
       <p:sp>
         <p:nvSpPr>
+          <p:cNvPr id="2" name="Заголовок 1">
+            <a:extLst>
+              <a:ext uri="{FF2B5EF4-FFF2-40B4-BE49-F238E27FC236}">
+                <a16:creationId xmlns:a16="http://schemas.microsoft.com/office/drawing/2014/main" id="{374FDCD4-FD4F-4065-BF09-B21EECDE32CC}"/>
+              </a:ext>
+            </a:extLst>
+          </p:cNvPr>
+          <p:cNvSpPr>
+            <a:spLocks noGrp="1"/>
+          </p:cNvSpPr>
+          <p:nvPr>
+            <p:ph type="title"/>
+          </p:nvPr>
+        </p:nvSpPr>
+        <p:spPr/>
+        <p:txBody>
+          <a:bodyPr/>
+          <a:lstStyle/>
+          <a:p>
+            <a:r>
+              <a:rPr lang="ru-RU" dirty="0">
+                <a:solidFill>
+                  <a:schemeClr val="bg1"/>
+                </a:solidFill>
+              </a:rPr>
+              <a:t>Публикация приложения</a:t>
+            </a:r>
+          </a:p>
+        </p:txBody>
+      </p:sp>
+      <p:pic>
+        <p:nvPicPr>
+          <p:cNvPr id="6" name="Объект 5">
+            <a:extLst>
+              <a:ext uri="{FF2B5EF4-FFF2-40B4-BE49-F238E27FC236}">
+                <a16:creationId xmlns:a16="http://schemas.microsoft.com/office/drawing/2014/main" id="{70ABFE51-3C91-4F24-98E7-23901E87D9E0}"/>
+              </a:ext>
+            </a:extLst>
+          </p:cNvPr>
+          <p:cNvPicPr>
+            <a:picLocks noGrp="1" noChangeAspect="1"/>
+          </p:cNvPicPr>
+          <p:nvPr>
+            <p:ph idx="1"/>
+          </p:nvPr>
+        </p:nvPicPr>
+        <p:blipFill>
+          <a:blip r:embed="rId2"/>
+          <a:stretch>
+            <a:fillRect/>
+          </a:stretch>
+        </p:blipFill>
+        <p:spPr>
+          <a:xfrm>
+            <a:off x="838200" y="1690688"/>
+            <a:ext cx="3928291" cy="4351338"/>
+          </a:xfrm>
+        </p:spPr>
+      </p:pic>
+      <p:sp>
+        <p:nvSpPr>
+          <p:cNvPr id="10" name="TextBox 9">
+            <a:extLst>
+              <a:ext uri="{FF2B5EF4-FFF2-40B4-BE49-F238E27FC236}">
+                <a16:creationId xmlns:a16="http://schemas.microsoft.com/office/drawing/2014/main" id="{B28DE0C1-63B9-4BD8-A1F1-19E87000BE10}"/>
+              </a:ext>
+            </a:extLst>
+          </p:cNvPr>
+          <p:cNvSpPr txBox="1"/>
+          <p:nvPr/>
+        </p:nvSpPr>
+        <p:spPr>
+          <a:xfrm>
+            <a:off x="4953000" y="1690688"/>
+            <a:ext cx="5999018" cy="1446550"/>
+          </a:xfrm>
+          <a:prstGeom prst="rect">
+            <a:avLst/>
+          </a:prstGeom>
+          <a:noFill/>
+        </p:spPr>
+        <p:txBody>
+          <a:bodyPr wrap="square">
+            <a:spAutoFit/>
+          </a:bodyPr>
+          <a:lstStyle/>
+          <a:p>
+            <a:r>
+              <a:rPr lang="ru-RU" sz="2200" dirty="0">
+                <a:solidFill>
+                  <a:schemeClr val="bg1"/>
+                </a:solidFill>
+              </a:rPr>
+              <a:t>Для того, чтобы добавить приложение, надо ввести все нужные данные в эту форму. После, оно отправляется на премодерацию, где его либо примут и опубликуют, либо удалят.</a:t>
+            </a:r>
+          </a:p>
+        </p:txBody>
+      </p:sp>
+    </p:spTree>
+    <p:extLst>
+      <p:ext uri="{BB962C8B-B14F-4D97-AF65-F5344CB8AC3E}">
+        <p14:creationId xmlns:p14="http://schemas.microsoft.com/office/powerpoint/2010/main" val="2481926540"/>
+      </p:ext>
+    </p:extLst>
+  </p:cSld>
+  <p:clrMapOvr>
+    <a:masterClrMapping/>
+  </p:clrMapOvr>
+</p:sld>
+</file>
+
+<file path=ppt/slides/slide13.xml><?xml version="1.0" encoding="utf-8"?>
+<p:sld xmlns:a="http://schemas.openxmlformats.org/drawingml/2006/main" xmlns:r="http://schemas.openxmlformats.org/officeDocument/2006/relationships" xmlns:p="http://schemas.openxmlformats.org/presentationml/2006/main">
+  <p:cSld>
+    <p:bg>
+      <p:bgPr>
+        <a:solidFill>
+          <a:schemeClr val="tx1"/>
+        </a:solidFill>
+        <a:effectLst/>
+      </p:bgPr>
+    </p:bg>
+    <p:spTree>
+      <p:nvGrpSpPr>
+        <p:cNvPr id="1" name=""/>
+        <p:cNvGrpSpPr/>
+        <p:nvPr/>
+      </p:nvGrpSpPr>
+      <p:grpSpPr>
+        <a:xfrm>
+          <a:off x="0" y="0"/>
+          <a:ext cx="0" cy="0"/>
+          <a:chOff x="0" y="0"/>
+          <a:chExt cx="0" cy="0"/>
+        </a:xfrm>
+      </p:grpSpPr>
+      <p:sp>
+        <p:nvSpPr>
+          <p:cNvPr id="2" name="Заголовок 1">
+            <a:extLst>
+              <a:ext uri="{FF2B5EF4-FFF2-40B4-BE49-F238E27FC236}">
+                <a16:creationId xmlns:a16="http://schemas.microsoft.com/office/drawing/2014/main" id="{374FDCD4-FD4F-4065-BF09-B21EECDE32CC}"/>
+              </a:ext>
+            </a:extLst>
+          </p:cNvPr>
+          <p:cNvSpPr>
+            <a:spLocks noGrp="1"/>
+          </p:cNvSpPr>
+          <p:nvPr>
+            <p:ph type="title"/>
+          </p:nvPr>
+        </p:nvSpPr>
+        <p:spPr/>
+        <p:txBody>
+          <a:bodyPr/>
+          <a:lstStyle/>
+          <a:p>
+            <a:r>
+              <a:rPr lang="ru-RU" dirty="0">
+                <a:solidFill>
+                  <a:schemeClr val="bg1"/>
+                </a:solidFill>
+              </a:rPr>
+              <a:t>Приложение</a:t>
+            </a:r>
+          </a:p>
+        </p:txBody>
+      </p:sp>
+      <p:pic>
+        <p:nvPicPr>
+          <p:cNvPr id="10" name="Объект 9">
+            <a:extLst>
+              <a:ext uri="{FF2B5EF4-FFF2-40B4-BE49-F238E27FC236}">
+                <a16:creationId xmlns:a16="http://schemas.microsoft.com/office/drawing/2014/main" id="{7C5744CA-5EA9-45C1-8950-89E60D09C7B5}"/>
+              </a:ext>
+            </a:extLst>
+          </p:cNvPr>
+          <p:cNvPicPr>
+            <a:picLocks noGrp="1" noChangeAspect="1"/>
+          </p:cNvPicPr>
+          <p:nvPr>
+            <p:ph idx="1"/>
+          </p:nvPr>
+        </p:nvPicPr>
+        <p:blipFill>
+          <a:blip r:embed="rId2"/>
+          <a:stretch>
+            <a:fillRect/>
+          </a:stretch>
+        </p:blipFill>
+        <p:spPr>
+          <a:xfrm>
+            <a:off x="5245811" y="1690688"/>
+            <a:ext cx="6107989" cy="4351338"/>
+          </a:xfrm>
+        </p:spPr>
+      </p:pic>
+      <p:sp>
+        <p:nvSpPr>
+          <p:cNvPr id="5" name="TextBox 4">
+            <a:extLst>
+              <a:ext uri="{FF2B5EF4-FFF2-40B4-BE49-F238E27FC236}">
+                <a16:creationId xmlns:a16="http://schemas.microsoft.com/office/drawing/2014/main" id="{0BA3C033-821A-47A1-AB2C-B8C48AAA9B07}"/>
+              </a:ext>
+            </a:extLst>
+          </p:cNvPr>
+          <p:cNvSpPr txBox="1"/>
+          <p:nvPr/>
+        </p:nvSpPr>
+        <p:spPr>
+          <a:xfrm>
+            <a:off x="838200" y="1690688"/>
+            <a:ext cx="4407611" cy="2123658"/>
+          </a:xfrm>
+          <a:prstGeom prst="rect">
+            <a:avLst/>
+          </a:prstGeom>
+          <a:noFill/>
+        </p:spPr>
+        <p:txBody>
+          <a:bodyPr wrap="square">
+            <a:spAutoFit/>
+          </a:bodyPr>
+          <a:lstStyle/>
+          <a:p>
+            <a:r>
+              <a:rPr lang="ru-RU" sz="2200" dirty="0">
+                <a:solidFill>
+                  <a:schemeClr val="bg1"/>
+                </a:solidFill>
+              </a:rPr>
+              <a:t>На самой странице приложения можно изучить полную информацию о нём, прочитать описание, просмотреть скриншоты и отзывы, а также добавить его в библиотеку и скачать.</a:t>
+            </a:r>
+          </a:p>
+        </p:txBody>
+      </p:sp>
+    </p:spTree>
+    <p:extLst>
+      <p:ext uri="{BB962C8B-B14F-4D97-AF65-F5344CB8AC3E}">
+        <p14:creationId xmlns:p14="http://schemas.microsoft.com/office/powerpoint/2010/main" val="3968185437"/>
+      </p:ext>
+    </p:extLst>
+  </p:cSld>
+  <p:clrMapOvr>
+    <a:masterClrMapping/>
+  </p:clrMapOvr>
+</p:sld>
+</file>
+
+<file path=ppt/slides/slide14.xml><?xml version="1.0" encoding="utf-8"?>
+<p:sld xmlns:a="http://schemas.openxmlformats.org/drawingml/2006/main" xmlns:r="http://schemas.openxmlformats.org/officeDocument/2006/relationships" xmlns:p="http://schemas.openxmlformats.org/presentationml/2006/main">
+  <p:cSld>
+    <p:bg>
+      <p:bgPr>
+        <a:solidFill>
+          <a:schemeClr val="tx1"/>
+        </a:solidFill>
+        <a:effectLst/>
+      </p:bgPr>
+    </p:bg>
+    <p:spTree>
+      <p:nvGrpSpPr>
+        <p:cNvPr id="1" name=""/>
+        <p:cNvGrpSpPr/>
+        <p:nvPr/>
+      </p:nvGrpSpPr>
+      <p:grpSpPr>
+        <a:xfrm>
+          <a:off x="0" y="0"/>
+          <a:ext cx="0" cy="0"/>
+          <a:chOff x="0" y="0"/>
+          <a:chExt cx="0" cy="0"/>
+        </a:xfrm>
+      </p:grpSpPr>
+      <p:sp>
+        <p:nvSpPr>
+          <p:cNvPr id="2" name="Заголовок 1">
+            <a:extLst>
+              <a:ext uri="{FF2B5EF4-FFF2-40B4-BE49-F238E27FC236}">
+                <a16:creationId xmlns:a16="http://schemas.microsoft.com/office/drawing/2014/main" id="{374FDCD4-FD4F-4065-BF09-B21EECDE32CC}"/>
+              </a:ext>
+            </a:extLst>
+          </p:cNvPr>
+          <p:cNvSpPr>
+            <a:spLocks noGrp="1"/>
+          </p:cNvSpPr>
+          <p:nvPr>
+            <p:ph type="title"/>
+          </p:nvPr>
+        </p:nvSpPr>
+        <p:spPr/>
+        <p:txBody>
+          <a:bodyPr/>
+          <a:lstStyle/>
+          <a:p>
+            <a:r>
+              <a:rPr lang="ru-RU" dirty="0">
+                <a:solidFill>
+                  <a:schemeClr val="bg1"/>
+                </a:solidFill>
+              </a:rPr>
+              <a:t>Админ-панель</a:t>
+            </a:r>
+          </a:p>
+        </p:txBody>
+      </p:sp>
+      <p:pic>
+        <p:nvPicPr>
+          <p:cNvPr id="6" name="Объект 5">
+            <a:extLst>
+              <a:ext uri="{FF2B5EF4-FFF2-40B4-BE49-F238E27FC236}">
+                <a16:creationId xmlns:a16="http://schemas.microsoft.com/office/drawing/2014/main" id="{E29F0C3B-F61C-4C9F-A904-046D7349F543}"/>
+              </a:ext>
+            </a:extLst>
+          </p:cNvPr>
+          <p:cNvPicPr>
+            <a:picLocks noGrp="1" noChangeAspect="1"/>
+          </p:cNvPicPr>
+          <p:nvPr>
+            <p:ph idx="1"/>
+          </p:nvPr>
+        </p:nvPicPr>
+        <p:blipFill>
+          <a:blip r:embed="rId2"/>
+          <a:stretch>
+            <a:fillRect/>
+          </a:stretch>
+        </p:blipFill>
+        <p:spPr>
+          <a:xfrm>
+            <a:off x="339437" y="1690688"/>
+            <a:ext cx="7735712" cy="4351338"/>
+          </a:xfrm>
+        </p:spPr>
+      </p:pic>
+      <p:sp>
+        <p:nvSpPr>
+          <p:cNvPr id="4" name="TextBox 3">
+            <a:extLst>
+              <a:ext uri="{FF2B5EF4-FFF2-40B4-BE49-F238E27FC236}">
+                <a16:creationId xmlns:a16="http://schemas.microsoft.com/office/drawing/2014/main" id="{B9FF19F0-AC1E-4B82-BB8C-4D245483375C}"/>
+              </a:ext>
+            </a:extLst>
+          </p:cNvPr>
+          <p:cNvSpPr txBox="1"/>
+          <p:nvPr/>
+        </p:nvSpPr>
+        <p:spPr>
+          <a:xfrm>
+            <a:off x="8111197" y="1690688"/>
+            <a:ext cx="4040651" cy="3139321"/>
+          </a:xfrm>
+          <a:prstGeom prst="rect">
+            <a:avLst/>
+          </a:prstGeom>
+          <a:noFill/>
+        </p:spPr>
+        <p:txBody>
+          <a:bodyPr wrap="square">
+            <a:spAutoFit/>
+          </a:bodyPr>
+          <a:lstStyle/>
+          <a:p>
+            <a:r>
+              <a:rPr lang="ru-RU" sz="2200" dirty="0">
+                <a:solidFill>
+                  <a:schemeClr val="bg1"/>
+                </a:solidFill>
+              </a:rPr>
+              <a:t>В админ-панели можно отредактировать информацию о пользователе, обновить приложение, создать новое, а также опубликовать добавленные пользователями</a:t>
+            </a:r>
+          </a:p>
+          <a:p>
+            <a:r>
+              <a:rPr lang="ru-RU" sz="2200" dirty="0">
+                <a:solidFill>
+                  <a:schemeClr val="bg1"/>
+                </a:solidFill>
+              </a:rPr>
+              <a:t>По очевидным причинам доступна только администраторам.</a:t>
+            </a:r>
+          </a:p>
+        </p:txBody>
+      </p:sp>
+    </p:spTree>
+    <p:extLst>
+      <p:ext uri="{BB962C8B-B14F-4D97-AF65-F5344CB8AC3E}">
+        <p14:creationId xmlns:p14="http://schemas.microsoft.com/office/powerpoint/2010/main" val="3541306539"/>
+      </p:ext>
+    </p:extLst>
+  </p:cSld>
+  <p:clrMapOvr>
+    <a:masterClrMapping/>
+  </p:clrMapOvr>
+</p:sld>
+</file>
+
+<file path=ppt/slides/slide15.xml><?xml version="1.0" encoding="utf-8"?>
+<p:sld xmlns:a="http://schemas.openxmlformats.org/drawingml/2006/main" xmlns:r="http://schemas.openxmlformats.org/officeDocument/2006/relationships" xmlns:p="http://schemas.openxmlformats.org/presentationml/2006/main">
+  <p:cSld>
+    <p:bg>
+      <p:bgPr>
+        <a:solidFill>
+          <a:schemeClr val="tx1"/>
+        </a:solidFill>
+        <a:effectLst/>
+      </p:bgPr>
+    </p:bg>
+    <p:spTree>
+      <p:nvGrpSpPr>
+        <p:cNvPr id="1" name=""/>
+        <p:cNvGrpSpPr/>
+        <p:nvPr/>
+      </p:nvGrpSpPr>
+      <p:grpSpPr>
+        <a:xfrm>
+          <a:off x="0" y="0"/>
+          <a:ext cx="0" cy="0"/>
+          <a:chOff x="0" y="0"/>
+          <a:chExt cx="0" cy="0"/>
+        </a:xfrm>
+      </p:grpSpPr>
+      <p:sp>
+        <p:nvSpPr>
+          <p:cNvPr id="2" name="Заголовок 1">
+            <a:extLst>
+              <a:ext uri="{FF2B5EF4-FFF2-40B4-BE49-F238E27FC236}">
+                <a16:creationId xmlns:a16="http://schemas.microsoft.com/office/drawing/2014/main" id="{374FDCD4-FD4F-4065-BF09-B21EECDE32CC}"/>
+              </a:ext>
+            </a:extLst>
+          </p:cNvPr>
+          <p:cNvSpPr>
+            <a:spLocks noGrp="1"/>
+          </p:cNvSpPr>
+          <p:nvPr>
+            <p:ph type="title"/>
+          </p:nvPr>
+        </p:nvSpPr>
+        <p:spPr/>
+        <p:txBody>
+          <a:bodyPr/>
+          <a:lstStyle/>
+          <a:p>
+            <a:r>
+              <a:rPr lang="ru-RU" dirty="0">
+                <a:solidFill>
+                  <a:schemeClr val="bg1"/>
+                </a:solidFill>
+              </a:rPr>
+              <a:t>Профиль</a:t>
+            </a:r>
+          </a:p>
+        </p:txBody>
+      </p:sp>
+      <p:sp>
+        <p:nvSpPr>
+          <p:cNvPr id="4" name="TextBox 3">
+            <a:extLst>
+              <a:ext uri="{FF2B5EF4-FFF2-40B4-BE49-F238E27FC236}">
+                <a16:creationId xmlns:a16="http://schemas.microsoft.com/office/drawing/2014/main" id="{B9FF19F0-AC1E-4B82-BB8C-4D245483375C}"/>
+              </a:ext>
+            </a:extLst>
+          </p:cNvPr>
+          <p:cNvSpPr txBox="1"/>
+          <p:nvPr/>
+        </p:nvSpPr>
+        <p:spPr>
+          <a:xfrm>
+            <a:off x="838200" y="1698049"/>
+            <a:ext cx="5644519" cy="2123658"/>
+          </a:xfrm>
+          <a:prstGeom prst="rect">
+            <a:avLst/>
+          </a:prstGeom>
+          <a:noFill/>
+        </p:spPr>
+        <p:txBody>
+          <a:bodyPr wrap="square">
+            <a:spAutoFit/>
+          </a:bodyPr>
+          <a:lstStyle/>
+          <a:p>
+            <a:r>
+              <a:rPr lang="ru-RU" sz="2200" dirty="0">
+                <a:solidFill>
+                  <a:schemeClr val="bg1"/>
+                </a:solidFill>
+              </a:rPr>
+              <a:t>Завершает это всё профиль. Здесь можно увидеть опубликованные приложения, сколько приложений пользователь добавил в библиотеку, является он администратором или нет, а также увидеть список </a:t>
+            </a:r>
+            <a:r>
+              <a:rPr lang="ru-RU" sz="2200" dirty="0" err="1">
+                <a:solidFill>
+                  <a:schemeClr val="bg1"/>
+                </a:solidFill>
+              </a:rPr>
+              <a:t>копирайтов</a:t>
+            </a:r>
+            <a:r>
+              <a:rPr lang="ru-RU" sz="2200" dirty="0">
+                <a:solidFill>
+                  <a:schemeClr val="bg1"/>
+                </a:solidFill>
+              </a:rPr>
+              <a:t> сайта.</a:t>
+            </a:r>
+          </a:p>
+        </p:txBody>
+      </p:sp>
+      <p:pic>
+        <p:nvPicPr>
+          <p:cNvPr id="8" name="Объект 7">
+            <a:extLst>
+              <a:ext uri="{FF2B5EF4-FFF2-40B4-BE49-F238E27FC236}">
+                <a16:creationId xmlns:a16="http://schemas.microsoft.com/office/drawing/2014/main" id="{A600E8C4-BC45-4CB3-95E1-EE7917D253CC}"/>
+              </a:ext>
+            </a:extLst>
+          </p:cNvPr>
+          <p:cNvPicPr>
+            <a:picLocks noGrp="1" noChangeAspect="1"/>
+          </p:cNvPicPr>
+          <p:nvPr>
+            <p:ph idx="1"/>
+          </p:nvPr>
+        </p:nvPicPr>
+        <p:blipFill>
+          <a:blip r:embed="rId2"/>
+          <a:stretch>
+            <a:fillRect/>
+          </a:stretch>
+        </p:blipFill>
+        <p:spPr>
+          <a:xfrm>
+            <a:off x="6482719" y="1690688"/>
+            <a:ext cx="4871081" cy="4351338"/>
+          </a:xfrm>
+        </p:spPr>
+      </p:pic>
+    </p:spTree>
+    <p:extLst>
+      <p:ext uri="{BB962C8B-B14F-4D97-AF65-F5344CB8AC3E}">
+        <p14:creationId xmlns:p14="http://schemas.microsoft.com/office/powerpoint/2010/main" val="3020548521"/>
+      </p:ext>
+    </p:extLst>
+  </p:cSld>
+  <p:clrMapOvr>
+    <a:masterClrMapping/>
+  </p:clrMapOvr>
+</p:sld>
+</file>
+
+<file path=ppt/slides/slide16.xml><?xml version="1.0" encoding="utf-8"?>
+<p:sld xmlns:a="http://schemas.openxmlformats.org/drawingml/2006/main" xmlns:r="http://schemas.openxmlformats.org/officeDocument/2006/relationships" xmlns:p="http://schemas.openxmlformats.org/presentationml/2006/main">
+  <p:cSld>
+    <p:bg>
+      <p:bgPr>
+        <a:solidFill>
+          <a:schemeClr val="tx1"/>
+        </a:solidFill>
+        <a:effectLst/>
+      </p:bgPr>
+    </p:bg>
+    <p:spTree>
+      <p:nvGrpSpPr>
+        <p:cNvPr id="1" name=""/>
+        <p:cNvGrpSpPr/>
+        <p:nvPr/>
+      </p:nvGrpSpPr>
+      <p:grpSpPr>
+        <a:xfrm>
+          <a:off x="0" y="0"/>
+          <a:ext cx="0" cy="0"/>
+          <a:chOff x="0" y="0"/>
+          <a:chExt cx="0" cy="0"/>
+        </a:xfrm>
+      </p:grpSpPr>
+      <p:sp>
+        <p:nvSpPr>
+          <p:cNvPr id="2" name="Заголовок 1">
+            <a:extLst>
+              <a:ext uri="{FF2B5EF4-FFF2-40B4-BE49-F238E27FC236}">
+                <a16:creationId xmlns:a16="http://schemas.microsoft.com/office/drawing/2014/main" id="{7F5959F9-CBAB-4BFC-94E8-5E9B5558E68F}"/>
+              </a:ext>
+            </a:extLst>
+          </p:cNvPr>
+          <p:cNvSpPr>
+            <a:spLocks noGrp="1"/>
+          </p:cNvSpPr>
+          <p:nvPr>
+            <p:ph type="title"/>
+          </p:nvPr>
+        </p:nvSpPr>
+        <p:spPr/>
+        <p:txBody>
+          <a:bodyPr/>
+          <a:lstStyle/>
+          <a:p>
+            <a:r>
+              <a:rPr lang="ru-RU" dirty="0">
+                <a:solidFill>
+                  <a:schemeClr val="bg1"/>
+                </a:solidFill>
+              </a:rPr>
+              <a:t>Реализуемые технологии</a:t>
+            </a:r>
+          </a:p>
+        </p:txBody>
+      </p:sp>
+      <p:sp>
+        <p:nvSpPr>
+          <p:cNvPr id="3" name="Объект 2">
+            <a:extLst>
+              <a:ext uri="{FF2B5EF4-FFF2-40B4-BE49-F238E27FC236}">
+                <a16:creationId xmlns:a16="http://schemas.microsoft.com/office/drawing/2014/main" id="{67E10A9C-054E-4AC7-A41F-F9FCE78C51E0}"/>
+              </a:ext>
+            </a:extLst>
+          </p:cNvPr>
+          <p:cNvSpPr>
+            <a:spLocks noGrp="1"/>
+          </p:cNvSpPr>
+          <p:nvPr>
+            <p:ph idx="1"/>
+          </p:nvPr>
+        </p:nvSpPr>
+        <p:spPr/>
+        <p:txBody>
+          <a:bodyPr/>
+          <a:lstStyle/>
+          <a:p>
+            <a:r>
+              <a:rPr lang="ru-RU" dirty="0">
+                <a:solidFill>
+                  <a:schemeClr val="bg1"/>
+                </a:solidFill>
+              </a:rPr>
+              <a:t>Адаптивность</a:t>
+            </a:r>
+          </a:p>
+          <a:p>
+            <a:r>
+              <a:rPr lang="ru-RU" dirty="0">
+                <a:solidFill>
+                  <a:schemeClr val="bg1"/>
+                </a:solidFill>
+              </a:rPr>
+              <a:t>Поиск</a:t>
+            </a:r>
+          </a:p>
+          <a:p>
+            <a:r>
+              <a:rPr lang="ru-RU" dirty="0">
+                <a:solidFill>
+                  <a:schemeClr val="bg1"/>
+                </a:solidFill>
+              </a:rPr>
+              <a:t>Капча по сессии</a:t>
+            </a:r>
+          </a:p>
+          <a:p>
+            <a:r>
+              <a:rPr lang="ru-RU" dirty="0">
+                <a:solidFill>
+                  <a:schemeClr val="bg1"/>
+                </a:solidFill>
+              </a:rPr>
+              <a:t>Админ-панель</a:t>
+            </a:r>
+          </a:p>
+          <a:p>
+            <a:r>
+              <a:rPr lang="ru-RU" dirty="0">
+                <a:solidFill>
+                  <a:schemeClr val="bg1"/>
+                </a:solidFill>
+              </a:rPr>
+              <a:t>Виджеты приложений</a:t>
+            </a:r>
+          </a:p>
+          <a:p>
+            <a:r>
+              <a:rPr lang="en-US" dirty="0">
+                <a:solidFill>
+                  <a:schemeClr val="bg1"/>
+                </a:solidFill>
+              </a:rPr>
+              <a:t>Material</a:t>
+            </a:r>
+          </a:p>
+          <a:p>
+            <a:r>
+              <a:rPr lang="en-US" dirty="0">
+                <a:solidFill>
+                  <a:schemeClr val="bg1"/>
+                </a:solidFill>
+              </a:rPr>
+              <a:t>.min.css</a:t>
+            </a:r>
+            <a:endParaRPr lang="ru-RU" dirty="0">
+              <a:solidFill>
+                <a:schemeClr val="bg1"/>
+              </a:solidFill>
+            </a:endParaRPr>
+          </a:p>
+          <a:p>
+            <a:endParaRPr lang="ru-RU" dirty="0">
+              <a:solidFill>
+                <a:schemeClr val="bg1"/>
+              </a:solidFill>
+            </a:endParaRPr>
+          </a:p>
+        </p:txBody>
+      </p:sp>
+    </p:spTree>
+    <p:extLst>
+      <p:ext uri="{BB962C8B-B14F-4D97-AF65-F5344CB8AC3E}">
+        <p14:creationId xmlns:p14="http://schemas.microsoft.com/office/powerpoint/2010/main" val="1343294242"/>
+      </p:ext>
+    </p:extLst>
+  </p:cSld>
+  <p:clrMapOvr>
+    <a:masterClrMapping/>
+  </p:clrMapOvr>
+</p:sld>
+</file>
+
+<file path=ppt/slides/slide17.xml><?xml version="1.0" encoding="utf-8"?>
+<p:sld xmlns:a="http://schemas.openxmlformats.org/drawingml/2006/main" xmlns:r="http://schemas.openxmlformats.org/officeDocument/2006/relationships" xmlns:p="http://schemas.openxmlformats.org/presentationml/2006/main">
+  <p:cSld>
+    <p:bg>
+      <p:bgPr>
+        <a:solidFill>
+          <a:schemeClr val="tx1"/>
+        </a:solidFill>
+        <a:effectLst/>
+      </p:bgPr>
+    </p:bg>
+    <p:spTree>
+      <p:nvGrpSpPr>
+        <p:cNvPr id="1" name=""/>
+        <p:cNvGrpSpPr/>
+        <p:nvPr/>
+      </p:nvGrpSpPr>
+      <p:grpSpPr>
+        <a:xfrm>
+          <a:off x="0" y="0"/>
+          <a:ext cx="0" cy="0"/>
+          <a:chOff x="0" y="0"/>
+          <a:chExt cx="0" cy="0"/>
+        </a:xfrm>
+      </p:grpSpPr>
+      <p:sp>
+        <p:nvSpPr>
+          <p:cNvPr id="2" name="Заголовок 1">
+            <a:extLst>
+              <a:ext uri="{FF2B5EF4-FFF2-40B4-BE49-F238E27FC236}">
+                <a16:creationId xmlns:a16="http://schemas.microsoft.com/office/drawing/2014/main" id="{5251D20B-09B1-40F9-83BD-AE5CDE1803F4}"/>
+              </a:ext>
+            </a:extLst>
+          </p:cNvPr>
+          <p:cNvSpPr>
+            <a:spLocks noGrp="1"/>
+          </p:cNvSpPr>
+          <p:nvPr>
+            <p:ph type="title"/>
+          </p:nvPr>
+        </p:nvSpPr>
+        <p:spPr/>
+        <p:txBody>
+          <a:bodyPr/>
+          <a:lstStyle/>
+          <a:p>
+            <a:r>
+              <a:rPr lang="ru-RU" dirty="0">
+                <a:solidFill>
+                  <a:schemeClr val="bg1"/>
+                </a:solidFill>
+              </a:rPr>
+              <a:t>Используемые библиотеки</a:t>
+            </a:r>
+          </a:p>
+        </p:txBody>
+      </p:sp>
+      <p:sp>
+        <p:nvSpPr>
+          <p:cNvPr id="3" name="Объект 2">
+            <a:extLst>
+              <a:ext uri="{FF2B5EF4-FFF2-40B4-BE49-F238E27FC236}">
+                <a16:creationId xmlns:a16="http://schemas.microsoft.com/office/drawing/2014/main" id="{787F3527-1131-4421-A67A-1EB44A1EDE36}"/>
+              </a:ext>
+            </a:extLst>
+          </p:cNvPr>
+          <p:cNvSpPr>
+            <a:spLocks noGrp="1"/>
+          </p:cNvSpPr>
+          <p:nvPr>
+            <p:ph idx="1"/>
+          </p:nvPr>
+        </p:nvSpPr>
+        <p:spPr/>
+        <p:txBody>
+          <a:bodyPr/>
+          <a:lstStyle/>
+          <a:p>
+            <a:r>
+              <a:rPr lang="en-US" dirty="0">
+                <a:solidFill>
+                  <a:schemeClr val="bg1"/>
+                </a:solidFill>
+              </a:rPr>
+              <a:t>Flask</a:t>
+            </a:r>
+          </a:p>
+          <a:p>
+            <a:r>
+              <a:rPr lang="en-US" dirty="0">
+                <a:solidFill>
+                  <a:schemeClr val="bg1"/>
+                </a:solidFill>
+              </a:rPr>
+              <a:t>Flask-login</a:t>
+            </a:r>
+          </a:p>
+          <a:p>
+            <a:r>
+              <a:rPr lang="en-US" dirty="0">
+                <a:solidFill>
+                  <a:schemeClr val="bg1"/>
+                </a:solidFill>
+              </a:rPr>
+              <a:t>Flask-</a:t>
+            </a:r>
+            <a:r>
+              <a:rPr lang="en-US" dirty="0" err="1">
+                <a:solidFill>
+                  <a:schemeClr val="bg1"/>
+                </a:solidFill>
+              </a:rPr>
+              <a:t>SQLAlchemy</a:t>
+            </a:r>
+            <a:endParaRPr lang="en-US" dirty="0">
+              <a:solidFill>
+                <a:schemeClr val="bg1"/>
+              </a:solidFill>
+            </a:endParaRPr>
+          </a:p>
+          <a:p>
+            <a:r>
+              <a:rPr lang="en-US" dirty="0">
+                <a:solidFill>
+                  <a:schemeClr val="bg1"/>
+                </a:solidFill>
+              </a:rPr>
+              <a:t>Flask-migrate</a:t>
+            </a:r>
+          </a:p>
+          <a:p>
+            <a:r>
+              <a:rPr lang="en-US" dirty="0">
+                <a:solidFill>
+                  <a:schemeClr val="bg1"/>
+                </a:solidFill>
+              </a:rPr>
+              <a:t>Captcha</a:t>
+            </a:r>
+          </a:p>
+          <a:p>
+            <a:r>
+              <a:rPr lang="en-US" dirty="0">
+                <a:solidFill>
+                  <a:schemeClr val="bg1"/>
+                </a:solidFill>
+              </a:rPr>
+              <a:t>Flask-</a:t>
+            </a:r>
+            <a:r>
+              <a:rPr lang="en-US" dirty="0" err="1">
+                <a:solidFill>
+                  <a:schemeClr val="bg1"/>
+                </a:solidFill>
+              </a:rPr>
+              <a:t>Sessionstore</a:t>
+            </a:r>
+            <a:endParaRPr lang="en-US" dirty="0">
+              <a:solidFill>
+                <a:schemeClr val="bg1"/>
+              </a:solidFill>
+            </a:endParaRPr>
+          </a:p>
+          <a:p>
+            <a:r>
+              <a:rPr lang="en-US" dirty="0">
+                <a:solidFill>
+                  <a:schemeClr val="bg1"/>
+                </a:solidFill>
+              </a:rPr>
+              <a:t>flask-session-captcha</a:t>
+            </a:r>
+          </a:p>
+          <a:p>
+            <a:endParaRPr lang="ru-RU" dirty="0">
+              <a:solidFill>
+                <a:schemeClr val="bg1"/>
+              </a:solidFill>
+            </a:endParaRPr>
+          </a:p>
+        </p:txBody>
+      </p:sp>
+    </p:spTree>
+    <p:extLst>
+      <p:ext uri="{BB962C8B-B14F-4D97-AF65-F5344CB8AC3E}">
+        <p14:creationId xmlns:p14="http://schemas.microsoft.com/office/powerpoint/2010/main" val="2701392261"/>
+      </p:ext>
+    </p:extLst>
+  </p:cSld>
+  <p:clrMapOvr>
+    <a:masterClrMapping/>
+  </p:clrMapOvr>
+</p:sld>
+</file>
+
+<file path=ppt/slides/slide18.xml><?xml version="1.0" encoding="utf-8"?>
+<p:sld xmlns:a="http://schemas.openxmlformats.org/drawingml/2006/main" xmlns:r="http://schemas.openxmlformats.org/officeDocument/2006/relationships" xmlns:p="http://schemas.openxmlformats.org/presentationml/2006/main">
+  <p:cSld>
+    <p:bg>
+      <p:bgPr>
+        <a:solidFill>
+          <a:schemeClr val="tx1"/>
+        </a:solidFill>
+        <a:effectLst/>
+      </p:bgPr>
+    </p:bg>
+    <p:spTree>
+      <p:nvGrpSpPr>
+        <p:cNvPr id="1" name=""/>
+        <p:cNvGrpSpPr/>
+        <p:nvPr/>
+      </p:nvGrpSpPr>
+      <p:grpSpPr>
+        <a:xfrm>
+          <a:off x="0" y="0"/>
+          <a:ext cx="0" cy="0"/>
+          <a:chOff x="0" y="0"/>
+          <a:chExt cx="0" cy="0"/>
+        </a:xfrm>
+      </p:grpSpPr>
+      <p:sp>
+        <p:nvSpPr>
+          <p:cNvPr id="2" name="Заголовок 1">
+            <a:extLst>
+              <a:ext uri="{FF2B5EF4-FFF2-40B4-BE49-F238E27FC236}">
+                <a16:creationId xmlns:a16="http://schemas.microsoft.com/office/drawing/2014/main" id="{5251D20B-09B1-40F9-83BD-AE5CDE1803F4}"/>
+              </a:ext>
+            </a:extLst>
+          </p:cNvPr>
+          <p:cNvSpPr>
+            <a:spLocks noGrp="1"/>
+          </p:cNvSpPr>
+          <p:nvPr>
+            <p:ph type="title"/>
+          </p:nvPr>
+        </p:nvSpPr>
+        <p:spPr>
+          <a:xfrm>
+            <a:off x="0" y="2766218"/>
+            <a:ext cx="12192000" cy="1325563"/>
+          </a:xfrm>
+        </p:spPr>
+        <p:txBody>
+          <a:bodyPr/>
+          <a:lstStyle/>
+          <a:p>
+            <a:pPr algn="ctr"/>
+            <a:r>
+              <a:rPr lang="en-US" dirty="0">
+                <a:solidFill>
+                  <a:schemeClr val="bg1"/>
+                </a:solidFill>
+              </a:rPr>
+              <a:t>ko</a:t>
+            </a:r>
+            <a:r>
+              <a:rPr lang="ru-RU" dirty="0" err="1">
+                <a:solidFill>
+                  <a:schemeClr val="bg1"/>
+                </a:solidFill>
+              </a:rPr>
+              <a:t>нец</a:t>
+            </a:r>
+            <a:endParaRPr lang="ru-RU" dirty="0">
+              <a:solidFill>
+                <a:schemeClr val="bg1"/>
+              </a:solidFill>
+            </a:endParaRPr>
+          </a:p>
+        </p:txBody>
+      </p:sp>
+    </p:spTree>
+    <p:extLst>
+      <p:ext uri="{BB962C8B-B14F-4D97-AF65-F5344CB8AC3E}">
+        <p14:creationId xmlns:p14="http://schemas.microsoft.com/office/powerpoint/2010/main" val="4011210788"/>
+      </p:ext>
+    </p:extLst>
+  </p:cSld>
+  <p:clrMapOvr>
+    <a:masterClrMapping/>
+  </p:clrMapOvr>
+</p:sld>
+</file>
+
+<file path=ppt/slides/slide2.xml><?xml version="1.0" encoding="utf-8"?>
+<p:sld xmlns:a="http://schemas.openxmlformats.org/drawingml/2006/main" xmlns:r="http://schemas.openxmlformats.org/officeDocument/2006/relationships" xmlns:p="http://schemas.openxmlformats.org/presentationml/2006/main">
+  <p:cSld>
+    <p:bg>
+      <p:bgPr>
+        <a:solidFill>
+          <a:schemeClr val="tx1"/>
+        </a:solidFill>
+        <a:effectLst/>
+      </p:bgPr>
+    </p:bg>
+    <p:spTree>
+      <p:nvGrpSpPr>
+        <p:cNvPr id="1" name=""/>
+        <p:cNvGrpSpPr/>
+        <p:nvPr/>
+      </p:nvGrpSpPr>
+      <p:grpSpPr>
+        <a:xfrm>
+          <a:off x="0" y="0"/>
+          <a:ext cx="0" cy="0"/>
+          <a:chOff x="0" y="0"/>
+          <a:chExt cx="0" cy="0"/>
+        </a:xfrm>
+      </p:grpSpPr>
+      <p:sp>
+        <p:nvSpPr>
           <p:cNvPr id="8" name="Заголовок 1">
             <a:extLst>
               <a:ext uri="{FF2B5EF4-FFF2-40B4-BE49-F238E27FC236}">
@@ -4751,7 +5942,11 @@
           <a:lstStyle/>
           <a:p>
             <a:r>
-              <a:rPr lang="ru-RU" dirty="0"/>
+              <a:rPr lang="ru-RU" dirty="0">
+                <a:solidFill>
+                  <a:schemeClr val="bg1"/>
+                </a:solidFill>
+              </a:rPr>
               <a:t>Цель и задачи</a:t>
             </a:r>
           </a:p>
@@ -4787,7 +5982,11 @@
               <a:buNone/>
             </a:pPr>
             <a:r>
-              <a:rPr lang="ru-RU" dirty="0"/>
+              <a:rPr lang="ru-RU" dirty="0">
+                <a:solidFill>
+                  <a:schemeClr val="bg1"/>
+                </a:solidFill>
+              </a:rPr>
               <a:t>Цель — Сделать магазин приложений, которым можно пользоваться как с компьютера, так и с любого смартфона</a:t>
             </a:r>
           </a:p>
@@ -4986,12 +6185,20 @@
           </a:lstStyle>
           <a:p>
             <a:r>
-              <a:rPr lang="ru-RU" dirty="0"/>
+              <a:rPr lang="ru-RU" dirty="0">
+                <a:solidFill>
+                  <a:schemeClr val="bg1"/>
+                </a:solidFill>
+              </a:rPr>
               <a:t>Ы</a:t>
             </a:r>
           </a:p>
           <a:p>
-            <a:endParaRPr lang="ru-RU" dirty="0"/>
+            <a:endParaRPr lang="ru-RU" dirty="0">
+              <a:solidFill>
+                <a:schemeClr val="bg1"/>
+              </a:solidFill>
+            </a:endParaRPr>
           </a:p>
         </p:txBody>
       </p:sp>
@@ -5024,7 +6231,11 @@
           <a:lstStyle/>
           <a:p>
             <a:r>
-              <a:rPr lang="ru-RU" sz="3600" dirty="0"/>
+              <a:rPr lang="ru-RU" sz="3600" dirty="0">
+                <a:solidFill>
+                  <a:schemeClr val="bg1"/>
+                </a:solidFill>
+              </a:rPr>
               <a:t>Задачи</a:t>
             </a:r>
           </a:p>
@@ -5046,6 +6257,14 @@
 <file path=ppt/slides/slide3.xml><?xml version="1.0" encoding="utf-8"?>
 <p:sld xmlns:a="http://schemas.openxmlformats.org/drawingml/2006/main" xmlns:r="http://schemas.openxmlformats.org/officeDocument/2006/relationships" xmlns:p="http://schemas.openxmlformats.org/presentationml/2006/main">
   <p:cSld>
+    <p:bg>
+      <p:bgPr>
+        <a:solidFill>
+          <a:schemeClr val="tx1"/>
+        </a:solidFill>
+        <a:effectLst/>
+      </p:bgPr>
+    </p:bg>
     <p:spTree>
       <p:nvGrpSpPr>
         <p:cNvPr id="1" name=""/>
@@ -5082,11 +6301,19 @@
           <a:lstStyle/>
           <a:p>
             <a:r>
-              <a:rPr lang="en-US" dirty="0"/>
+              <a:rPr lang="en-US" dirty="0">
+                <a:solidFill>
+                  <a:schemeClr val="bg1"/>
+                </a:solidFill>
+              </a:rPr>
               <a:t>UML-</a:t>
             </a:r>
             <a:r>
-              <a:rPr lang="ru-RU" dirty="0"/>
+              <a:rPr lang="ru-RU" dirty="0">
+                <a:solidFill>
+                  <a:schemeClr val="bg1"/>
+                </a:solidFill>
+              </a:rPr>
               <a:t>Схема</a:t>
             </a:r>
           </a:p>
@@ -5143,6 +6370,14 @@
 <file path=ppt/slides/slide4.xml><?xml version="1.0" encoding="utf-8"?>
 <p:sld xmlns:a="http://schemas.openxmlformats.org/drawingml/2006/main" xmlns:r="http://schemas.openxmlformats.org/officeDocument/2006/relationships" xmlns:p="http://schemas.openxmlformats.org/presentationml/2006/main">
   <p:cSld>
+    <p:bg>
+      <p:bgPr>
+        <a:solidFill>
+          <a:schemeClr val="tx1"/>
+        </a:solidFill>
+        <a:effectLst/>
+      </p:bgPr>
+    </p:bg>
     <p:spTree>
       <p:nvGrpSpPr>
         <p:cNvPr id="1" name=""/>
@@ -5162,7 +6397,7 @@
           <p:cNvPr id="2" name="Заголовок 1">
             <a:extLst>
               <a:ext uri="{FF2B5EF4-FFF2-40B4-BE49-F238E27FC236}">
-                <a16:creationId xmlns:a16="http://schemas.microsoft.com/office/drawing/2014/main" id="{5251D20B-09B1-40F9-83BD-AE5CDE1803F4}"/>
+                <a16:creationId xmlns:a16="http://schemas.microsoft.com/office/drawing/2014/main" id="{374FDCD4-FD4F-4065-BF09-B21EECDE32CC}"/>
               </a:ext>
             </a:extLst>
           </p:cNvPr>
@@ -5179,93 +6414,89 @@
           <a:lstStyle/>
           <a:p>
             <a:r>
-              <a:rPr lang="ru-RU" dirty="0"/>
-              <a:t>Используемые библиотеки</a:t>
-            </a:r>
-          </a:p>
-        </p:txBody>
-      </p:sp>
-      <p:sp>
-        <p:nvSpPr>
-          <p:cNvPr id="3" name="Объект 2">
-            <a:extLst>
-              <a:ext uri="{FF2B5EF4-FFF2-40B4-BE49-F238E27FC236}">
-                <a16:creationId xmlns:a16="http://schemas.microsoft.com/office/drawing/2014/main" id="{787F3527-1131-4421-A67A-1EB44A1EDE36}"/>
-              </a:ext>
-            </a:extLst>
-          </p:cNvPr>
-          <p:cNvSpPr>
-            <a:spLocks noGrp="1"/>
-          </p:cNvSpPr>
-          <p:nvPr>
-            <p:ph idx="1"/>
-          </p:nvPr>
-        </p:nvSpPr>
-        <p:spPr/>
-        <p:txBody>
-          <a:bodyPr/>
-          <a:lstStyle/>
-          <a:p>
-            <a:r>
-              <a:rPr lang="en-US" dirty="0"/>
-              <a:t>Flask</a:t>
-            </a:r>
-          </a:p>
-          <a:p>
-            <a:r>
-              <a:rPr lang="en-US" dirty="0"/>
-              <a:t>Flask-login</a:t>
-            </a:r>
-          </a:p>
-          <a:p>
-            <a:r>
-              <a:rPr lang="en-US" dirty="0"/>
-              <a:t>Flask-</a:t>
-            </a:r>
-            <a:r>
-              <a:rPr lang="en-US" dirty="0" err="1"/>
-              <a:t>SQLAlchemy</a:t>
-            </a:r>
-            <a:endParaRPr lang="en-US" dirty="0"/>
-          </a:p>
-          <a:p>
-            <a:r>
-              <a:rPr lang="en-US" dirty="0"/>
-              <a:t>Flask-migrate</a:t>
-            </a:r>
-          </a:p>
-          <a:p>
-            <a:r>
-              <a:rPr lang="en-US" dirty="0"/>
-              <a:t>Captcha</a:t>
-            </a:r>
-          </a:p>
-          <a:p>
-            <a:r>
-              <a:rPr lang="en-US" dirty="0"/>
-              <a:t>Flask-</a:t>
-            </a:r>
-            <a:r>
-              <a:rPr lang="en-US" dirty="0" err="1"/>
-              <a:t>Sessionstore</a:t>
-            </a:r>
-            <a:endParaRPr lang="en-US" dirty="0"/>
-          </a:p>
-          <a:p>
-            <a:r>
-              <a:rPr lang="en-US" dirty="0"/>
-              <a:t>flask-session-captcha</a:t>
-            </a:r>
-          </a:p>
-          <a:p>
-            <a:endParaRPr lang="ru-RU" dirty="0"/>
+              <a:rPr lang="ru-RU" dirty="0">
+                <a:solidFill>
+                  <a:schemeClr val="bg1"/>
+                </a:solidFill>
+              </a:rPr>
+              <a:t>Регистрация</a:t>
+            </a:r>
+          </a:p>
+        </p:txBody>
+      </p:sp>
+      <p:pic>
+        <p:nvPicPr>
+          <p:cNvPr id="7" name="Рисунок 6">
+            <a:extLst>
+              <a:ext uri="{FF2B5EF4-FFF2-40B4-BE49-F238E27FC236}">
+                <a16:creationId xmlns:a16="http://schemas.microsoft.com/office/drawing/2014/main" id="{65AA597F-F80B-4669-AAEF-76335A3B216A}"/>
+              </a:ext>
+            </a:extLst>
+          </p:cNvPr>
+          <p:cNvPicPr>
+            <a:picLocks noChangeAspect="1"/>
+          </p:cNvPicPr>
+          <p:nvPr/>
+        </p:nvPicPr>
+        <p:blipFill>
+          <a:blip r:embed="rId2"/>
+          <a:stretch>
+            <a:fillRect/>
+          </a:stretch>
+        </p:blipFill>
+        <p:spPr>
+          <a:xfrm>
+            <a:off x="838200" y="1441255"/>
+            <a:ext cx="3474027" cy="5051620"/>
+          </a:xfrm>
+          <a:prstGeom prst="rect">
+            <a:avLst/>
+          </a:prstGeom>
+        </p:spPr>
+      </p:pic>
+      <p:sp>
+        <p:nvSpPr>
+          <p:cNvPr id="8" name="TextBox 7">
+            <a:extLst>
+              <a:ext uri="{FF2B5EF4-FFF2-40B4-BE49-F238E27FC236}">
+                <a16:creationId xmlns:a16="http://schemas.microsoft.com/office/drawing/2014/main" id="{D939A81C-6F5C-4ED4-BEA4-5C635B2A97E4}"/>
+              </a:ext>
+            </a:extLst>
+          </p:cNvPr>
+          <p:cNvSpPr txBox="1"/>
+          <p:nvPr/>
+        </p:nvSpPr>
+        <p:spPr>
+          <a:xfrm>
+            <a:off x="4990235" y="1448565"/>
+            <a:ext cx="6190384" cy="1107996"/>
+          </a:xfrm>
+          <a:prstGeom prst="rect">
+            <a:avLst/>
+          </a:prstGeom>
+          <a:noFill/>
+        </p:spPr>
+        <p:txBody>
+          <a:bodyPr wrap="square">
+            <a:spAutoFit/>
+          </a:bodyPr>
+          <a:lstStyle/>
+          <a:p>
+            <a:r>
+              <a:rPr lang="ru-RU" sz="2200" dirty="0">
+                <a:solidFill>
+                  <a:schemeClr val="bg1"/>
+                </a:solidFill>
+              </a:rPr>
+              <a:t>Попав на сайт, чтобы воспользоваться полным функционалом, нужен аккаунт. На этой странице его можно создать</a:t>
+            </a:r>
           </a:p>
         </p:txBody>
       </p:sp>
     </p:spTree>
     <p:extLst>
       <p:ext uri="{BB962C8B-B14F-4D97-AF65-F5344CB8AC3E}">
-        <p14:creationId xmlns:p14="http://schemas.microsoft.com/office/powerpoint/2010/main" val="2701392261"/>
+        <p14:creationId xmlns:p14="http://schemas.microsoft.com/office/powerpoint/2010/main" val="208473869"/>
       </p:ext>
     </p:extLst>
   </p:cSld>
@@ -5278,6 +6509,14 @@
 <file path=ppt/slides/slide5.xml><?xml version="1.0" encoding="utf-8"?>
 <p:sld xmlns:a="http://schemas.openxmlformats.org/drawingml/2006/main" xmlns:r="http://schemas.openxmlformats.org/officeDocument/2006/relationships" xmlns:p="http://schemas.openxmlformats.org/presentationml/2006/main">
   <p:cSld>
+    <p:bg>
+      <p:bgPr>
+        <a:solidFill>
+          <a:schemeClr val="tx1"/>
+        </a:solidFill>
+        <a:effectLst/>
+      </p:bgPr>
+    </p:bg>
     <p:spTree>
       <p:nvGrpSpPr>
         <p:cNvPr id="1" name=""/>
@@ -5297,7 +6536,7 @@
           <p:cNvPr id="2" name="Заголовок 1">
             <a:extLst>
               <a:ext uri="{FF2B5EF4-FFF2-40B4-BE49-F238E27FC236}">
-                <a16:creationId xmlns:a16="http://schemas.microsoft.com/office/drawing/2014/main" id="{7F5959F9-CBAB-4BFC-94E8-5E9B5558E68F}"/>
+                <a16:creationId xmlns:a16="http://schemas.microsoft.com/office/drawing/2014/main" id="{374FDCD4-FD4F-4065-BF09-B21EECDE32CC}"/>
               </a:ext>
             </a:extLst>
           </p:cNvPr>
@@ -5314,84 +6553,88 @@
           <a:lstStyle/>
           <a:p>
             <a:r>
-              <a:rPr lang="ru-RU" dirty="0"/>
-              <a:t>Реализуемые технологии</a:t>
-            </a:r>
-          </a:p>
-        </p:txBody>
-      </p:sp>
-      <p:sp>
-        <p:nvSpPr>
-          <p:cNvPr id="3" name="Объект 2">
-            <a:extLst>
-              <a:ext uri="{FF2B5EF4-FFF2-40B4-BE49-F238E27FC236}">
-                <a16:creationId xmlns:a16="http://schemas.microsoft.com/office/drawing/2014/main" id="{67E10A9C-054E-4AC7-A41F-F9FCE78C51E0}"/>
-              </a:ext>
-            </a:extLst>
-          </p:cNvPr>
-          <p:cNvSpPr>
-            <a:spLocks noGrp="1"/>
-          </p:cNvSpPr>
+              <a:rPr lang="ru-RU" dirty="0">
+                <a:solidFill>
+                  <a:schemeClr val="bg1"/>
+                </a:solidFill>
+              </a:rPr>
+              <a:t>Вход</a:t>
+            </a:r>
+          </a:p>
+        </p:txBody>
+      </p:sp>
+      <p:pic>
+        <p:nvPicPr>
+          <p:cNvPr id="5" name="Объект 4">
+            <a:extLst>
+              <a:ext uri="{FF2B5EF4-FFF2-40B4-BE49-F238E27FC236}">
+                <a16:creationId xmlns:a16="http://schemas.microsoft.com/office/drawing/2014/main" id="{3DCA2F36-0A15-429D-987F-07DF47495DDE}"/>
+              </a:ext>
+            </a:extLst>
+          </p:cNvPr>
+          <p:cNvPicPr>
+            <a:picLocks noGrp="1" noChangeAspect="1"/>
+          </p:cNvPicPr>
           <p:nvPr>
             <p:ph idx="1"/>
           </p:nvPr>
-        </p:nvSpPr>
-        <p:spPr/>
-        <p:txBody>
-          <a:bodyPr/>
-          <a:lstStyle/>
-          <a:p>
-            <a:r>
-              <a:rPr lang="ru-RU" dirty="0"/>
-              <a:t>Адаптивность</a:t>
-            </a:r>
-          </a:p>
-          <a:p>
-            <a:r>
-              <a:rPr lang="ru-RU" dirty="0"/>
-              <a:t>Поиск</a:t>
-            </a:r>
-          </a:p>
-          <a:p>
-            <a:r>
-              <a:rPr lang="ru-RU" dirty="0"/>
-              <a:t>Капча по сессии</a:t>
-            </a:r>
-          </a:p>
-          <a:p>
-            <a:r>
-              <a:rPr lang="ru-RU" dirty="0"/>
-              <a:t>Админ-панель</a:t>
-            </a:r>
-          </a:p>
-          <a:p>
-            <a:r>
-              <a:rPr lang="ru-RU" dirty="0"/>
-              <a:t>Виджеты приложений</a:t>
-            </a:r>
-          </a:p>
-          <a:p>
-            <a:r>
-              <a:rPr lang="en-US" dirty="0"/>
-              <a:t>Material</a:t>
-            </a:r>
-          </a:p>
-          <a:p>
-            <a:r>
-              <a:rPr lang="en-US" dirty="0"/>
-              <a:t>.min.css</a:t>
-            </a:r>
-            <a:endParaRPr lang="ru-RU" dirty="0"/>
-          </a:p>
-          <a:p>
-            <a:endParaRPr lang="ru-RU" dirty="0"/>
+        </p:nvPicPr>
+        <p:blipFill>
+          <a:blip r:embed="rId2"/>
+          <a:stretch>
+            <a:fillRect/>
+          </a:stretch>
+        </p:blipFill>
+        <p:spPr>
+          <a:xfrm>
+            <a:off x="6173636" y="1690688"/>
+            <a:ext cx="5180164" cy="4351338"/>
+          </a:xfrm>
+        </p:spPr>
+      </p:pic>
+      <p:sp>
+        <p:nvSpPr>
+          <p:cNvPr id="6" name="TextBox 5">
+            <a:extLst>
+              <a:ext uri="{FF2B5EF4-FFF2-40B4-BE49-F238E27FC236}">
+                <a16:creationId xmlns:a16="http://schemas.microsoft.com/office/drawing/2014/main" id="{8D0AD3E0-1B2B-4929-ADDC-00337A063C60}"/>
+              </a:ext>
+            </a:extLst>
+          </p:cNvPr>
+          <p:cNvSpPr txBox="1"/>
+          <p:nvPr/>
+        </p:nvSpPr>
+        <p:spPr>
+          <a:xfrm>
+            <a:off x="838200" y="1690688"/>
+            <a:ext cx="5335436" cy="769441"/>
+          </a:xfrm>
+          <a:prstGeom prst="rect">
+            <a:avLst/>
+          </a:prstGeom>
+          <a:noFill/>
+        </p:spPr>
+        <p:txBody>
+          <a:bodyPr wrap="square">
+            <a:spAutoFit/>
+          </a:bodyPr>
+          <a:lstStyle/>
+          <a:p>
+            <a:r>
+              <a:rPr lang="ru-RU" sz="2200" dirty="0">
+                <a:solidFill>
+                  <a:schemeClr val="bg1"/>
+                </a:solidFill>
+              </a:rPr>
+              <a:t>Зарегистрировавшись, здесь можно войти в свой аккаунт.</a:t>
+            </a:r>
           </a:p>
         </p:txBody>
       </p:sp>
     </p:spTree>
     <p:extLst>
       <p:ext uri="{BB962C8B-B14F-4D97-AF65-F5344CB8AC3E}">
-        <p14:creationId xmlns:p14="http://schemas.microsoft.com/office/powerpoint/2010/main" val="1343294242"/>
+        <p14:creationId xmlns:p14="http://schemas.microsoft.com/office/powerpoint/2010/main" val="180894643"/>
       </p:ext>
     </p:extLst>
   </p:cSld>
@@ -5453,17 +6696,17 @@
                   <a:schemeClr val="bg1"/>
                 </a:solidFill>
               </a:rPr>
-              <a:t>Вход и регистрация</a:t>
+              <a:t>Главный экран</a:t>
             </a:r>
           </a:p>
         </p:txBody>
       </p:sp>
       <p:pic>
         <p:nvPicPr>
-          <p:cNvPr id="5" name="Объект 4">
-            <a:extLst>
-              <a:ext uri="{FF2B5EF4-FFF2-40B4-BE49-F238E27FC236}">
-                <a16:creationId xmlns:a16="http://schemas.microsoft.com/office/drawing/2014/main" id="{3DCA2F36-0A15-429D-987F-07DF47495DDE}"/>
+          <p:cNvPr id="6" name="Объект 5">
+            <a:extLst>
+              <a:ext uri="{FF2B5EF4-FFF2-40B4-BE49-F238E27FC236}">
+                <a16:creationId xmlns:a16="http://schemas.microsoft.com/office/drawing/2014/main" id="{5D657BEF-C70E-4093-88E9-48693E3EE7A4}"/>
               </a:ext>
             </a:extLst>
           </p:cNvPr>
@@ -5482,45 +6725,54 @@
         </p:blipFill>
         <p:spPr>
           <a:xfrm>
-            <a:off x="838200" y="1825625"/>
-            <a:ext cx="5180164" cy="4351338"/>
+            <a:off x="838200" y="1690688"/>
+            <a:ext cx="6273178" cy="4351338"/>
           </a:xfrm>
         </p:spPr>
       </p:pic>
-      <p:pic>
-        <p:nvPicPr>
-          <p:cNvPr id="7" name="Рисунок 6">
-            <a:extLst>
-              <a:ext uri="{FF2B5EF4-FFF2-40B4-BE49-F238E27FC236}">
-                <a16:creationId xmlns:a16="http://schemas.microsoft.com/office/drawing/2014/main" id="{65AA597F-F80B-4669-AAEF-76335A3B216A}"/>
-              </a:ext>
-            </a:extLst>
-          </p:cNvPr>
-          <p:cNvPicPr>
-            <a:picLocks noChangeAspect="1"/>
-          </p:cNvPicPr>
+      <p:sp>
+        <p:nvSpPr>
+          <p:cNvPr id="10" name="TextBox 9">
+            <a:extLst>
+              <a:ext uri="{FF2B5EF4-FFF2-40B4-BE49-F238E27FC236}">
+                <a16:creationId xmlns:a16="http://schemas.microsoft.com/office/drawing/2014/main" id="{0359C98B-B055-472C-98B2-5DB1D4BAE932}"/>
+              </a:ext>
+            </a:extLst>
+          </p:cNvPr>
+          <p:cNvSpPr txBox="1"/>
           <p:nvPr/>
-        </p:nvPicPr>
-        <p:blipFill>
-          <a:blip r:embed="rId3"/>
-          <a:stretch>
-            <a:fillRect/>
-          </a:stretch>
-        </p:blipFill>
+        </p:nvSpPr>
         <p:spPr>
           <a:xfrm>
-            <a:off x="7274011" y="1825625"/>
-            <a:ext cx="2992439" cy="4351338"/>
+            <a:off x="7111378" y="1690688"/>
+            <a:ext cx="4474486" cy="1107996"/>
           </a:xfrm>
           <a:prstGeom prst="rect">
             <a:avLst/>
           </a:prstGeom>
+          <a:noFill/>
         </p:spPr>
-      </p:pic>
+        <p:txBody>
+          <a:bodyPr wrap="square">
+            <a:spAutoFit/>
+          </a:bodyPr>
+          <a:lstStyle/>
+          <a:p>
+            <a:r>
+              <a:rPr lang="ru-RU" sz="2200" dirty="0">
+                <a:solidFill>
+                  <a:schemeClr val="bg1"/>
+                </a:solidFill>
+              </a:rPr>
+              <a:t>На главном экране можно увидеть новые приложения и тренды по платформам.</a:t>
+            </a:r>
+          </a:p>
+        </p:txBody>
+      </p:sp>
     </p:spTree>
     <p:extLst>
       <p:ext uri="{BB962C8B-B14F-4D97-AF65-F5344CB8AC3E}">
-        <p14:creationId xmlns:p14="http://schemas.microsoft.com/office/powerpoint/2010/main" val="208473869"/>
+        <p14:creationId xmlns:p14="http://schemas.microsoft.com/office/powerpoint/2010/main" val="3608846468"/>
       </p:ext>
     </p:extLst>
   </p:cSld>
@@ -5582,17 +6834,17 @@
                   <a:schemeClr val="bg1"/>
                 </a:solidFill>
               </a:rPr>
-              <a:t>Главный экран</a:t>
+              <a:t>Новое и топ</a:t>
             </a:r>
           </a:p>
         </p:txBody>
       </p:sp>
       <p:pic>
         <p:nvPicPr>
-          <p:cNvPr id="8" name="Объект 7">
-            <a:extLst>
-              <a:ext uri="{FF2B5EF4-FFF2-40B4-BE49-F238E27FC236}">
-                <a16:creationId xmlns:a16="http://schemas.microsoft.com/office/drawing/2014/main" id="{C8967F31-3AEE-4BFF-AD57-29830C460164}"/>
+          <p:cNvPr id="11" name="Объект 10">
+            <a:extLst>
+              <a:ext uri="{FF2B5EF4-FFF2-40B4-BE49-F238E27FC236}">
+                <a16:creationId xmlns:a16="http://schemas.microsoft.com/office/drawing/2014/main" id="{2773A778-AE7D-4C35-A489-01079D5D7EAE}"/>
               </a:ext>
             </a:extLst>
           </p:cNvPr>
@@ -5611,15 +6863,54 @@
         </p:blipFill>
         <p:spPr>
           <a:xfrm>
-            <a:off x="838200" y="1690688"/>
-            <a:ext cx="7735712" cy="4351338"/>
+            <a:off x="5642416" y="1690688"/>
+            <a:ext cx="5711384" cy="4351338"/>
           </a:xfrm>
         </p:spPr>
       </p:pic>
+      <p:sp>
+        <p:nvSpPr>
+          <p:cNvPr id="12" name="TextBox 11">
+            <a:extLst>
+              <a:ext uri="{FF2B5EF4-FFF2-40B4-BE49-F238E27FC236}">
+                <a16:creationId xmlns:a16="http://schemas.microsoft.com/office/drawing/2014/main" id="{3C4DB0A0-67DB-4AFB-9125-C11F1FED0702}"/>
+              </a:ext>
+            </a:extLst>
+          </p:cNvPr>
+          <p:cNvSpPr txBox="1"/>
+          <p:nvPr/>
+        </p:nvSpPr>
+        <p:spPr>
+          <a:xfrm>
+            <a:off x="838200" y="1690688"/>
+            <a:ext cx="4474486" cy="1107996"/>
+          </a:xfrm>
+          <a:prstGeom prst="rect">
+            <a:avLst/>
+          </a:prstGeom>
+          <a:noFill/>
+        </p:spPr>
+        <p:txBody>
+          <a:bodyPr wrap="square">
+            <a:spAutoFit/>
+          </a:bodyPr>
+          <a:lstStyle/>
+          <a:p>
+            <a:r>
+              <a:rPr lang="ru-RU" sz="2200" dirty="0">
+                <a:solidFill>
+                  <a:schemeClr val="bg1"/>
+                </a:solidFill>
+              </a:rPr>
+              <a:t>Выйдя с главного экрана, отдельно можно просмотреть топ и новые приложения</a:t>
+            </a:r>
+          </a:p>
+        </p:txBody>
+      </p:sp>
     </p:spTree>
     <p:extLst>
       <p:ext uri="{BB962C8B-B14F-4D97-AF65-F5344CB8AC3E}">
-        <p14:creationId xmlns:p14="http://schemas.microsoft.com/office/powerpoint/2010/main" val="3608846468"/>
+        <p14:creationId xmlns:p14="http://schemas.microsoft.com/office/powerpoint/2010/main" val="2380273161"/>
       </p:ext>
     </p:extLst>
   </p:cSld>
@@ -5681,17 +6972,17 @@
                   <a:schemeClr val="bg1"/>
                 </a:solidFill>
               </a:rPr>
-              <a:t>Поиск</a:t>
+              <a:t>Списки</a:t>
             </a:r>
           </a:p>
         </p:txBody>
       </p:sp>
       <p:pic>
         <p:nvPicPr>
-          <p:cNvPr id="12" name="Объект 11">
-            <a:extLst>
-              <a:ext uri="{FF2B5EF4-FFF2-40B4-BE49-F238E27FC236}">
-                <a16:creationId xmlns:a16="http://schemas.microsoft.com/office/drawing/2014/main" id="{B96248C3-F655-4532-BC2E-1BC0A414EEEE}"/>
+          <p:cNvPr id="11" name="Объект 10">
+            <a:extLst>
+              <a:ext uri="{FF2B5EF4-FFF2-40B4-BE49-F238E27FC236}">
+                <a16:creationId xmlns:a16="http://schemas.microsoft.com/office/drawing/2014/main" id="{34C2F4C3-733D-4C54-A19E-9ACE6B9FCD3D}"/>
               </a:ext>
             </a:extLst>
           </p:cNvPr>
@@ -5711,14 +7002,53 @@
         <p:spPr>
           <a:xfrm>
             <a:off x="838200" y="1690688"/>
-            <a:ext cx="6887360" cy="4351338"/>
+            <a:ext cx="5727367" cy="4351338"/>
           </a:xfrm>
         </p:spPr>
       </p:pic>
+      <p:sp>
+        <p:nvSpPr>
+          <p:cNvPr id="12" name="TextBox 11">
+            <a:extLst>
+              <a:ext uri="{FF2B5EF4-FFF2-40B4-BE49-F238E27FC236}">
+                <a16:creationId xmlns:a16="http://schemas.microsoft.com/office/drawing/2014/main" id="{65525E43-C534-4D1B-BDA8-44E69F859327}"/>
+              </a:ext>
+            </a:extLst>
+          </p:cNvPr>
+          <p:cNvSpPr txBox="1"/>
+          <p:nvPr/>
+        </p:nvSpPr>
+        <p:spPr>
+          <a:xfrm>
+            <a:off x="6722440" y="1690688"/>
+            <a:ext cx="4474486" cy="1446550"/>
+          </a:xfrm>
+          <a:prstGeom prst="rect">
+            <a:avLst/>
+          </a:prstGeom>
+          <a:noFill/>
+        </p:spPr>
+        <p:txBody>
+          <a:bodyPr wrap="square">
+            <a:spAutoFit/>
+          </a:bodyPr>
+          <a:lstStyle/>
+          <a:p>
+            <a:r>
+              <a:rPr lang="ru-RU" sz="2200" dirty="0">
+                <a:solidFill>
+                  <a:schemeClr val="bg1"/>
+                </a:solidFill>
+              </a:rPr>
+              <a:t>Поскольку в предыдущих окнах возможен просмотр только до 5 приложений, узнать полный список можно здесь</a:t>
+            </a:r>
+          </a:p>
+        </p:txBody>
+      </p:sp>
     </p:spTree>
     <p:extLst>
       <p:ext uri="{BB962C8B-B14F-4D97-AF65-F5344CB8AC3E}">
-        <p14:creationId xmlns:p14="http://schemas.microsoft.com/office/powerpoint/2010/main" val="4177214723"/>
+        <p14:creationId xmlns:p14="http://schemas.microsoft.com/office/powerpoint/2010/main" val="3291638125"/>
       </p:ext>
     </p:extLst>
   </p:cSld>
@@ -5780,17 +7110,17 @@
                   <a:schemeClr val="bg1"/>
                 </a:solidFill>
               </a:rPr>
-              <a:t>Библиотека</a:t>
+              <a:t>Поиск</a:t>
             </a:r>
           </a:p>
         </p:txBody>
       </p:sp>
       <p:pic>
         <p:nvPicPr>
-          <p:cNvPr id="6" name="Объект 5">
-            <a:extLst>
-              <a:ext uri="{FF2B5EF4-FFF2-40B4-BE49-F238E27FC236}">
-                <a16:creationId xmlns:a16="http://schemas.microsoft.com/office/drawing/2014/main" id="{9658E9B0-BC07-4E75-8D53-8FE6FB29B57D}"/>
+          <p:cNvPr id="12" name="Объект 11">
+            <a:extLst>
+              <a:ext uri="{FF2B5EF4-FFF2-40B4-BE49-F238E27FC236}">
+                <a16:creationId xmlns:a16="http://schemas.microsoft.com/office/drawing/2014/main" id="{B96248C3-F655-4532-BC2E-1BC0A414EEEE}"/>
               </a:ext>
             </a:extLst>
           </p:cNvPr>
@@ -5809,15 +7139,54 @@
         </p:blipFill>
         <p:spPr>
           <a:xfrm>
-            <a:off x="838200" y="1690688"/>
-            <a:ext cx="7735712" cy="4351338"/>
+            <a:off x="4778167" y="1690688"/>
+            <a:ext cx="6887360" cy="4351338"/>
           </a:xfrm>
         </p:spPr>
       </p:pic>
+      <p:sp>
+        <p:nvSpPr>
+          <p:cNvPr id="4" name="TextBox 3">
+            <a:extLst>
+              <a:ext uri="{FF2B5EF4-FFF2-40B4-BE49-F238E27FC236}">
+                <a16:creationId xmlns:a16="http://schemas.microsoft.com/office/drawing/2014/main" id="{7355CD76-7722-400C-B902-BD59F170276E}"/>
+              </a:ext>
+            </a:extLst>
+          </p:cNvPr>
+          <p:cNvSpPr txBox="1"/>
+          <p:nvPr/>
+        </p:nvSpPr>
+        <p:spPr>
+          <a:xfrm>
+            <a:off x="838200" y="1690688"/>
+            <a:ext cx="3939967" cy="2462213"/>
+          </a:xfrm>
+          <a:prstGeom prst="rect">
+            <a:avLst/>
+          </a:prstGeom>
+          <a:noFill/>
+        </p:spPr>
+        <p:txBody>
+          <a:bodyPr wrap="square">
+            <a:spAutoFit/>
+          </a:bodyPr>
+          <a:lstStyle/>
+          <a:p>
+            <a:r>
+              <a:rPr lang="ru-RU" sz="2200" dirty="0">
+                <a:solidFill>
+                  <a:schemeClr val="bg1"/>
+                </a:solidFill>
+              </a:rPr>
+              <a:t>Здесь можно отобрать и найти нужное приложение по названию, тегам и платформе, а также отсортировать полученный список по имени, популярности и дате публикации.</a:t>
+            </a:r>
+          </a:p>
+        </p:txBody>
+      </p:sp>
     </p:spTree>
     <p:extLst>
       <p:ext uri="{BB962C8B-B14F-4D97-AF65-F5344CB8AC3E}">
-        <p14:creationId xmlns:p14="http://schemas.microsoft.com/office/powerpoint/2010/main" val="3551935121"/>
+        <p14:creationId xmlns:p14="http://schemas.microsoft.com/office/powerpoint/2010/main" val="4177214723"/>
       </p:ext>
     </p:extLst>
   </p:cSld>

--- a/проект.pptx
+++ b/проект.pptx
@@ -123,7 +123,18 @@
   </p:defaultTextStyle>
   <p:extLst>
     <p:ext uri="{EFAFB233-063F-42B5-8137-9DF3F51BA10A}">
-      <p15:sldGuideLst xmlns:p15="http://schemas.microsoft.com/office/powerpoint/2012/main"/>
+      <p15:sldGuideLst xmlns:p15="http://schemas.microsoft.com/office/powerpoint/2012/main">
+        <p15:guide id="1" orient="horz" pos="2160">
+          <p15:clr>
+            <a:srgbClr val="A4A3A4"/>
+          </p15:clr>
+        </p15:guide>
+        <p15:guide id="2" pos="3840">
+          <p15:clr>
+            <a:srgbClr val="A4A3A4"/>
+          </p15:clr>
+        </p15:guide>
+      </p15:sldGuideLst>
     </p:ext>
   </p:extLst>
 </p:presentation>
@@ -276,7 +287,7 @@
           <a:p>
             <a:fld id="{FB198DFB-172F-4172-80D9-61BA62CE5DAF}" type="datetimeFigureOut">
               <a:rPr lang="ru-RU" smtClean="0"/>
-              <a:t>24.04.2022</a:t>
+              <a:t>28.04.2022</a:t>
             </a:fld>
             <a:endParaRPr lang="ru-RU"/>
           </a:p>
@@ -474,7 +485,7 @@
           <a:p>
             <a:fld id="{FB198DFB-172F-4172-80D9-61BA62CE5DAF}" type="datetimeFigureOut">
               <a:rPr lang="ru-RU" smtClean="0"/>
-              <a:t>24.04.2022</a:t>
+              <a:t>28.04.2022</a:t>
             </a:fld>
             <a:endParaRPr lang="ru-RU"/>
           </a:p>
@@ -682,7 +693,7 @@
           <a:p>
             <a:fld id="{FB198DFB-172F-4172-80D9-61BA62CE5DAF}" type="datetimeFigureOut">
               <a:rPr lang="ru-RU" smtClean="0"/>
-              <a:t>24.04.2022</a:t>
+              <a:t>28.04.2022</a:t>
             </a:fld>
             <a:endParaRPr lang="ru-RU"/>
           </a:p>
@@ -880,7 +891,7 @@
           <a:p>
             <a:fld id="{FB198DFB-172F-4172-80D9-61BA62CE5DAF}" type="datetimeFigureOut">
               <a:rPr lang="ru-RU" smtClean="0"/>
-              <a:t>24.04.2022</a:t>
+              <a:t>28.04.2022</a:t>
             </a:fld>
             <a:endParaRPr lang="ru-RU"/>
           </a:p>
@@ -1155,7 +1166,7 @@
           <a:p>
             <a:fld id="{FB198DFB-172F-4172-80D9-61BA62CE5DAF}" type="datetimeFigureOut">
               <a:rPr lang="ru-RU" smtClean="0"/>
-              <a:t>24.04.2022</a:t>
+              <a:t>28.04.2022</a:t>
             </a:fld>
             <a:endParaRPr lang="ru-RU"/>
           </a:p>
@@ -1420,7 +1431,7 @@
           <a:p>
             <a:fld id="{FB198DFB-172F-4172-80D9-61BA62CE5DAF}" type="datetimeFigureOut">
               <a:rPr lang="ru-RU" smtClean="0"/>
-              <a:t>24.04.2022</a:t>
+              <a:t>28.04.2022</a:t>
             </a:fld>
             <a:endParaRPr lang="ru-RU"/>
           </a:p>
@@ -1832,7 +1843,7 @@
           <a:p>
             <a:fld id="{FB198DFB-172F-4172-80D9-61BA62CE5DAF}" type="datetimeFigureOut">
               <a:rPr lang="ru-RU" smtClean="0"/>
-              <a:t>24.04.2022</a:t>
+              <a:t>28.04.2022</a:t>
             </a:fld>
             <a:endParaRPr lang="ru-RU"/>
           </a:p>
@@ -1973,7 +1984,7 @@
           <a:p>
             <a:fld id="{FB198DFB-172F-4172-80D9-61BA62CE5DAF}" type="datetimeFigureOut">
               <a:rPr lang="ru-RU" smtClean="0"/>
-              <a:t>24.04.2022</a:t>
+              <a:t>28.04.2022</a:t>
             </a:fld>
             <a:endParaRPr lang="ru-RU"/>
           </a:p>
@@ -2086,7 +2097,7 @@
           <a:p>
             <a:fld id="{FB198DFB-172F-4172-80D9-61BA62CE5DAF}" type="datetimeFigureOut">
               <a:rPr lang="ru-RU" smtClean="0"/>
-              <a:t>24.04.2022</a:t>
+              <a:t>28.04.2022</a:t>
             </a:fld>
             <a:endParaRPr lang="ru-RU"/>
           </a:p>
@@ -2397,7 +2408,7 @@
           <a:p>
             <a:fld id="{FB198DFB-172F-4172-80D9-61BA62CE5DAF}" type="datetimeFigureOut">
               <a:rPr lang="ru-RU" smtClean="0"/>
-              <a:t>24.04.2022</a:t>
+              <a:t>28.04.2022</a:t>
             </a:fld>
             <a:endParaRPr lang="ru-RU"/>
           </a:p>
@@ -2685,7 +2696,7 @@
           <a:p>
             <a:fld id="{FB198DFB-172F-4172-80D9-61BA62CE5DAF}" type="datetimeFigureOut">
               <a:rPr lang="ru-RU" smtClean="0"/>
-              <a:t>24.04.2022</a:t>
+              <a:t>28.04.2022</a:t>
             </a:fld>
             <a:endParaRPr lang="ru-RU"/>
           </a:p>
@@ -2926,7 +2937,7 @@
           <a:p>
             <a:fld id="{FB198DFB-172F-4172-80D9-61BA62CE5DAF}" type="datetimeFigureOut">
               <a:rPr lang="ru-RU" smtClean="0"/>
-              <a:t>24.04.2022</a:t>
+              <a:t>28.04.2022</a:t>
             </a:fld>
             <a:endParaRPr lang="ru-RU"/>
           </a:p>
@@ -3486,7 +3497,23 @@
                   <a:schemeClr val="bg1"/>
                 </a:solidFill>
               </a:rPr>
-              <a:t>Виктор Антонников </a:t>
+              <a:t>Антонников</a:t>
+            </a:r>
+            <a:r>
+              <a:rPr lang="en-US" dirty="0">
+                <a:solidFill>
+                  <a:schemeClr val="bg1"/>
+                </a:solidFill>
+              </a:rPr>
+              <a:t> </a:t>
+            </a:r>
+            <a:r>
+              <a:rPr lang="ru-RU" dirty="0">
+                <a:solidFill>
+                  <a:schemeClr val="bg1"/>
+                </a:solidFill>
+              </a:rPr>
+              <a:t>Виктор</a:t>
             </a:r>
           </a:p>
         </p:txBody>
@@ -4560,8 +4587,21 @@
                   <a:schemeClr val="bg1"/>
                 </a:solidFill>
               </a:rPr>
-              <a:t>Калининград, 2021</a:t>
-            </a:r>
+              <a:t>Калининград, 202</a:t>
+            </a:r>
+            <a:r>
+              <a:rPr lang="en-US" sz="2000" dirty="0">
+                <a:solidFill>
+                  <a:schemeClr val="bg1"/>
+                </a:solidFill>
+              </a:rPr>
+              <a:t>2</a:t>
+            </a:r>
+            <a:endParaRPr lang="ru-RU" sz="2000" dirty="0">
+              <a:solidFill>
+                <a:schemeClr val="bg1"/>
+              </a:solidFill>
+            </a:endParaRPr>
           </a:p>
         </p:txBody>
       </p:sp>
@@ -6017,7 +6057,7 @@
         </p:spPr>
         <p:txBody>
           <a:bodyPr vert="horz" lIns="91440" tIns="45720" rIns="91440" bIns="45720" rtlCol="0">
-            <a:normAutofit/>
+            <a:normAutofit fontScale="92500"/>
           </a:bodyPr>
           <a:lstStyle>
             <a:lvl1pPr marL="228600" indent="-228600" algn="l" defTabSz="914400" rtl="0" eaLnBrk="1" latinLnBrk="0" hangingPunct="1">
@@ -6190,8 +6230,65 @@
                   <a:schemeClr val="bg1"/>
                 </a:solidFill>
               </a:rPr>
-              <a:t>Ы</a:t>
-            </a:r>
+              <a:t>Реализовать систему аккаунтов</a:t>
+            </a:r>
+          </a:p>
+          <a:p>
+            <a:r>
+              <a:rPr lang="ru-RU" dirty="0">
+                <a:solidFill>
+                  <a:schemeClr val="bg1"/>
+                </a:solidFill>
+              </a:rPr>
+              <a:t>Добавить возможность добавлять/редактировать свои приложения</a:t>
+            </a:r>
+          </a:p>
+          <a:p>
+            <a:r>
+              <a:rPr lang="ru-RU" dirty="0">
+                <a:solidFill>
+                  <a:schemeClr val="bg1"/>
+                </a:solidFill>
+              </a:rPr>
+              <a:t>Создать админ-панель</a:t>
+            </a:r>
+          </a:p>
+          <a:p>
+            <a:r>
+              <a:rPr lang="ru-RU" dirty="0">
+                <a:solidFill>
+                  <a:schemeClr val="bg1"/>
+                </a:solidFill>
+              </a:rPr>
+              <a:t>Сделать подборку приложений</a:t>
+            </a:r>
+          </a:p>
+          <a:p>
+            <a:r>
+              <a:rPr lang="ru-RU" dirty="0">
+                <a:solidFill>
+                  <a:schemeClr val="bg1"/>
+                </a:solidFill>
+              </a:rPr>
+              <a:t>Разработать систему поиска</a:t>
+            </a:r>
+          </a:p>
+          <a:p>
+            <a:r>
+              <a:rPr lang="ru-RU" dirty="0">
+                <a:solidFill>
+                  <a:schemeClr val="bg1"/>
+                </a:solidFill>
+              </a:rPr>
+              <a:t>Добавить возможность просмотра страницы приложения/профиля</a:t>
+            </a:r>
+          </a:p>
+          <a:p>
+            <a:endParaRPr lang="ru-RU" dirty="0">
+              <a:solidFill>
+                <a:schemeClr val="bg1"/>
+              </a:solidFill>
+            </a:endParaRPr>
           </a:p>
           <a:p>
             <a:endParaRPr lang="ru-RU" dirty="0">
@@ -6336,7 +6433,7 @@
           </p:nvPr>
         </p:nvPicPr>
         <p:blipFill>
-          <a:blip r:embed="rId2">
+          <a:blip r:embed="rId2" cstate="print">
             <a:extLst>
               <a:ext uri="{28A0092B-C50C-407E-A947-70E740481C1C}">
                 <a14:useLocalDpi xmlns:a14="http://schemas.microsoft.com/office/drawing/2010/main" val="0"/>
